--- a/Unit Testing Javascript.pptx
+++ b/Unit Testing Javascript.pptx
@@ -5,7 +5,7 @@
     <p:sldMasterId id="2147483660" r:id="rId1"/>
   </p:sldMasterIdLst>
   <p:notesMasterIdLst>
-    <p:notesMasterId r:id="rId18"/>
+    <p:notesMasterId r:id="rId21"/>
   </p:notesMasterIdLst>
   <p:sldIdLst>
     <p:sldId id="256" r:id="rId2"/>
@@ -18,12 +18,15 @@
     <p:sldId id="261" r:id="rId9"/>
     <p:sldId id="264" r:id="rId10"/>
     <p:sldId id="265" r:id="rId11"/>
-    <p:sldId id="269" r:id="rId12"/>
-    <p:sldId id="266" r:id="rId13"/>
-    <p:sldId id="267" r:id="rId14"/>
-    <p:sldId id="268" r:id="rId15"/>
-    <p:sldId id="270" r:id="rId16"/>
-    <p:sldId id="271" r:id="rId17"/>
+    <p:sldId id="272" r:id="rId12"/>
+    <p:sldId id="273" r:id="rId13"/>
+    <p:sldId id="274" r:id="rId14"/>
+    <p:sldId id="269" r:id="rId15"/>
+    <p:sldId id="266" r:id="rId16"/>
+    <p:sldId id="267" r:id="rId17"/>
+    <p:sldId id="268" r:id="rId18"/>
+    <p:sldId id="270" r:id="rId19"/>
+    <p:sldId id="271" r:id="rId20"/>
   </p:sldIdLst>
   <p:sldSz cx="9144000" cy="6858000" type="screen4x3"/>
   <p:notesSz cx="6858000" cy="9144000"/>
@@ -207,7 +210,7 @@
           <a:p>
             <a:fld id="{7A63677F-0761-4F25-B656-CECF38783FB1}" type="datetimeFigureOut">
               <a:rPr lang="en-US" smtClean="0"/>
-              <a:t>5/13/2014</a:t>
+              <a:t>5/15/2014</a:t>
             </a:fld>
             <a:endParaRPr lang="en-US"/>
           </a:p>
@@ -552,7 +555,7 @@
           <a:p>
             <a:fld id="{114E9DC9-C1A0-46BF-8D43-3BCE46D67598}" type="slidenum">
               <a:rPr lang="en-US" smtClean="0"/>
-              <a:t>16</a:t>
+              <a:t>19</a:t>
             </a:fld>
             <a:endParaRPr lang="en-US"/>
           </a:p>
@@ -955,7 +958,7 @@
           <a:p>
             <a:fld id="{C8D99C1B-9DF3-4571-8DC8-4B4600C9B0A1}" type="datetimeFigureOut">
               <a:rPr lang="en-US" smtClean="0"/>
-              <a:t>5/13/2014</a:t>
+              <a:t>5/15/2014</a:t>
             </a:fld>
             <a:endParaRPr lang="en-US"/>
           </a:p>
@@ -1120,7 +1123,7 @@
           <a:p>
             <a:fld id="{C8D99C1B-9DF3-4571-8DC8-4B4600C9B0A1}" type="datetimeFigureOut">
               <a:rPr lang="en-US" smtClean="0"/>
-              <a:t>5/13/2014</a:t>
+              <a:t>5/15/2014</a:t>
             </a:fld>
             <a:endParaRPr lang="en-US"/>
           </a:p>
@@ -1295,7 +1298,7 @@
           <a:p>
             <a:fld id="{C8D99C1B-9DF3-4571-8DC8-4B4600C9B0A1}" type="datetimeFigureOut">
               <a:rPr lang="en-US" smtClean="0"/>
-              <a:t>5/13/2014</a:t>
+              <a:t>5/15/2014</a:t>
             </a:fld>
             <a:endParaRPr lang="en-US"/>
           </a:p>
@@ -1464,7 +1467,7 @@
           <a:p>
             <a:fld id="{C8D99C1B-9DF3-4571-8DC8-4B4600C9B0A1}" type="datetimeFigureOut">
               <a:rPr lang="en-US" smtClean="0"/>
-              <a:t>5/13/2014</a:t>
+              <a:t>5/15/2014</a:t>
             </a:fld>
             <a:endParaRPr lang="en-US"/>
           </a:p>
@@ -1919,7 +1922,7 @@
           <a:p>
             <a:fld id="{C8D99C1B-9DF3-4571-8DC8-4B4600C9B0A1}" type="datetimeFigureOut">
               <a:rPr lang="en-US" smtClean="0"/>
-              <a:t>5/13/2014</a:t>
+              <a:t>5/15/2014</a:t>
             </a:fld>
             <a:endParaRPr lang="en-US"/>
           </a:p>
@@ -2183,7 +2186,7 @@
           <a:p>
             <a:fld id="{C8D99C1B-9DF3-4571-8DC8-4B4600C9B0A1}" type="datetimeFigureOut">
               <a:rPr lang="en-US" smtClean="0"/>
-              <a:t>5/13/2014</a:t>
+              <a:t>5/15/2014</a:t>
             </a:fld>
             <a:endParaRPr lang="en-US"/>
           </a:p>
@@ -2557,7 +2560,7 @@
           <a:p>
             <a:fld id="{C8D99C1B-9DF3-4571-8DC8-4B4600C9B0A1}" type="datetimeFigureOut">
               <a:rPr lang="en-US" smtClean="0"/>
-              <a:t>5/13/2014</a:t>
+              <a:t>5/15/2014</a:t>
             </a:fld>
             <a:endParaRPr lang="en-US"/>
           </a:p>
@@ -2679,7 +2682,7 @@
           <a:p>
             <a:fld id="{C8D99C1B-9DF3-4571-8DC8-4B4600C9B0A1}" type="datetimeFigureOut">
               <a:rPr lang="en-US" smtClean="0"/>
-              <a:t>5/13/2014</a:t>
+              <a:t>5/15/2014</a:t>
             </a:fld>
             <a:endParaRPr lang="en-US"/>
           </a:p>
@@ -2769,7 +2772,7 @@
           <a:p>
             <a:fld id="{C8D99C1B-9DF3-4571-8DC8-4B4600C9B0A1}" type="datetimeFigureOut">
               <a:rPr lang="en-US" smtClean="0"/>
-              <a:t>5/13/2014</a:t>
+              <a:t>5/15/2014</a:t>
             </a:fld>
             <a:endParaRPr lang="en-US"/>
           </a:p>
@@ -3018,7 +3021,7 @@
           <a:p>
             <a:fld id="{C8D99C1B-9DF3-4571-8DC8-4B4600C9B0A1}" type="datetimeFigureOut">
               <a:rPr lang="en-US" smtClean="0"/>
-              <a:t>5/13/2014</a:t>
+              <a:t>5/15/2014</a:t>
             </a:fld>
             <a:endParaRPr lang="en-US"/>
           </a:p>
@@ -3277,7 +3280,7 @@
           <a:p>
             <a:fld id="{C8D99C1B-9DF3-4571-8DC8-4B4600C9B0A1}" type="datetimeFigureOut">
               <a:rPr lang="en-US" smtClean="0"/>
-              <a:t>5/13/2014</a:t>
+              <a:t>5/15/2014</a:t>
             </a:fld>
             <a:endParaRPr lang="en-US"/>
           </a:p>
@@ -3681,7 +3684,7 @@
           <a:p>
             <a:fld id="{C8D99C1B-9DF3-4571-8DC8-4B4600C9B0A1}" type="datetimeFigureOut">
               <a:rPr lang="en-US" smtClean="0"/>
-              <a:t>5/13/2014</a:t>
+              <a:t>5/15/2014</a:t>
             </a:fld>
             <a:endParaRPr lang="en-US"/>
           </a:p>
@@ -4326,7 +4329,7 @@
           <a:p>
             <a:r>
               <a:rPr lang="en-US" dirty="0" smtClean="0"/>
-              <a:t>Demonstration</a:t>
+              <a:t>Jest</a:t>
             </a:r>
             <a:endParaRPr lang="en-US" dirty="0"/>
           </a:p>
@@ -4344,35 +4347,107 @@
         </p:nvSpPr>
         <p:spPr/>
         <p:txBody>
-          <a:bodyPr/>
-          <a:lstStyle/>
-          <a:p>
-            <a:r>
-              <a:rPr lang="en-US" dirty="0"/>
-              <a:t>Adapted from </a:t>
-            </a:r>
+          <a:bodyPr>
+            <a:normAutofit fontScale="92500" lnSpcReduction="20000"/>
+          </a:bodyPr>
+          <a:lstStyle/>
+          <a:p>
             <a:r>
               <a:rPr lang="en-US" dirty="0">
                 <a:hlinkClick r:id="rId2"/>
               </a:rPr>
-              <a:t>http://</a:t>
+              <a:t>http://facebook.github.io/jest</a:t>
             </a:r>
             <a:r>
               <a:rPr lang="en-US" dirty="0" smtClean="0">
                 <a:hlinkClick r:id="rId2"/>
               </a:rPr>
-              <a:t>osintegrators.com/testing-javascript-with-karma</a:t>
-            </a:r>
+              <a:t>/</a:t>
+            </a:r>
+            <a:endParaRPr lang="en-US" dirty="0" smtClean="0"/>
+          </a:p>
+          <a:p>
+            <a:endParaRPr lang="en-US" dirty="0" smtClean="0"/>
+          </a:p>
+          <a:p>
             <a:r>
               <a:rPr lang="en-US" dirty="0" smtClean="0"/>
-              <a:t> </a:t>
-            </a:r>
-          </a:p>
-          <a:p>
+              <a:t>Familiar </a:t>
+            </a:r>
+            <a:r>
+              <a:rPr lang="en-US" dirty="0"/>
+              <a:t>Approach: Built on top of the Jasmine test framework, using familiar </a:t>
+            </a:r>
+            <a:r>
+              <a:rPr lang="en-US" sz="2200" dirty="0">
+                <a:latin typeface="Consolas" panose="020B0609020204030204" pitchFamily="49" charset="0"/>
+                <a:cs typeface="Consolas" panose="020B0609020204030204" pitchFamily="49" charset="0"/>
+              </a:rPr>
+              <a:t>expect(value).</a:t>
+            </a:r>
+            <a:r>
+              <a:rPr lang="en-US" sz="2200" dirty="0" err="1">
+                <a:latin typeface="Consolas" panose="020B0609020204030204" pitchFamily="49" charset="0"/>
+                <a:cs typeface="Consolas" panose="020B0609020204030204" pitchFamily="49" charset="0"/>
+              </a:rPr>
+              <a:t>toBe</a:t>
+            </a:r>
+            <a:r>
+              <a:rPr lang="en-US" sz="2200" dirty="0">
+                <a:latin typeface="Consolas" panose="020B0609020204030204" pitchFamily="49" charset="0"/>
+                <a:cs typeface="Consolas" panose="020B0609020204030204" pitchFamily="49" charset="0"/>
+              </a:rPr>
+              <a:t>(other) </a:t>
+            </a:r>
             <a:r>
               <a:rPr lang="en-US" dirty="0" smtClean="0"/>
-              <a:t>Code available: </a:t>
-            </a:r>
+              <a:t>assertions</a:t>
+            </a:r>
+          </a:p>
+          <a:p>
+            <a:r>
+              <a:rPr lang="en-US" dirty="0" smtClean="0"/>
+              <a:t>Mock </a:t>
+            </a:r>
+            <a:r>
+              <a:rPr lang="en-US" dirty="0"/>
+              <a:t>by Default: Automatically mocks </a:t>
+            </a:r>
+            <a:r>
+              <a:rPr lang="en-US" dirty="0" err="1"/>
+              <a:t>CommonJS</a:t>
+            </a:r>
+            <a:r>
+              <a:rPr lang="en-US" dirty="0"/>
+              <a:t> modules returned by </a:t>
+            </a:r>
+            <a:r>
+              <a:rPr lang="en-US" sz="2200" dirty="0">
+                <a:latin typeface="Consolas" panose="020B0609020204030204" pitchFamily="49" charset="0"/>
+                <a:cs typeface="Consolas" panose="020B0609020204030204" pitchFamily="49" charset="0"/>
+              </a:rPr>
+              <a:t>require()</a:t>
+            </a:r>
+            <a:r>
+              <a:rPr lang="en-US" dirty="0"/>
+              <a:t>, making most existing code </a:t>
+            </a:r>
+            <a:r>
+              <a:rPr lang="en-US" dirty="0" smtClean="0"/>
+              <a:t>testable</a:t>
+            </a:r>
+          </a:p>
+          <a:p>
+            <a:r>
+              <a:rPr lang="en-US" dirty="0" smtClean="0"/>
+              <a:t>Short </a:t>
+            </a:r>
+            <a:r>
+              <a:rPr lang="en-US" dirty="0"/>
+              <a:t>Feedback Loop: DOM APIs are mocked and tests run in parallel via a small node.js command line utility</a:t>
+            </a:r>
+          </a:p>
+          <a:p>
             <a:endParaRPr lang="en-US" dirty="0"/>
           </a:p>
         </p:txBody>
@@ -4380,7 +4455,7 @@
     </p:spTree>
     <p:extLst>
       <p:ext uri="{BB962C8B-B14F-4D97-AF65-F5344CB8AC3E}">
-        <p14:creationId xmlns:p14="http://schemas.microsoft.com/office/powerpoint/2010/main" val="266166528"/>
+        <p14:creationId xmlns:p14="http://schemas.microsoft.com/office/powerpoint/2010/main" val="2619690537"/>
       </p:ext>
     </p:extLst>
   </p:cSld>
@@ -4430,12 +4505,8 @@
           <a:lstStyle/>
           <a:p>
             <a:r>
-              <a:rPr lang="en-US" dirty="0" err="1" smtClean="0"/>
-              <a:t>RequireJS</a:t>
-            </a:r>
-            <a:r>
               <a:rPr lang="en-US" dirty="0" smtClean="0"/>
-              <a:t> (AMD)</a:t>
+              <a:t>Jest</a:t>
             </a:r>
             <a:endParaRPr lang="en-US" dirty="0"/>
           </a:p>
@@ -4454,54 +4525,45 @@
         <p:spPr/>
         <p:txBody>
           <a:bodyPr>
-            <a:normAutofit fontScale="77500" lnSpcReduction="20000"/>
+            <a:normAutofit fontScale="92500" lnSpcReduction="10000"/>
           </a:bodyPr>
           <a:lstStyle/>
           <a:p>
             <a:r>
-              <a:rPr lang="en-US" dirty="0" err="1" smtClean="0">
-                <a:hlinkClick r:id="rId2"/>
-              </a:rPr>
-              <a:t>RequireJS</a:t>
+              <a:rPr lang="en-US" dirty="0"/>
+              <a:t>Example</a:t>
             </a:r>
             <a:r>
               <a:rPr lang="en-US" dirty="0" smtClean="0"/>
-              <a:t> is </a:t>
-            </a:r>
-            <a:r>
-              <a:rPr lang="en-US" dirty="0"/>
-              <a:t>a JavaScript file and module loader. It is optimized for in-browser use, but it can be used in other JavaScript environments, like Rhino and Node. Using a modular script loader like </a:t>
-            </a:r>
-            <a:r>
-              <a:rPr lang="en-US" dirty="0" err="1"/>
-              <a:t>RequireJS</a:t>
-            </a:r>
-            <a:r>
-              <a:rPr lang="en-US" dirty="0"/>
-              <a:t> will improve the speed and quality of your code</a:t>
-            </a:r>
-            <a:r>
-              <a:rPr lang="en-US" dirty="0" smtClean="0"/>
-              <a:t>.</a:t>
-            </a:r>
-          </a:p>
-          <a:p>
-            <a:r>
-              <a:rPr lang="en-US" dirty="0" smtClean="0"/>
-              <a:t>Example:</a:t>
-            </a:r>
-          </a:p>
-          <a:p>
-            <a:pPr marL="36513" indent="420688">
+              <a:t>:</a:t>
+            </a:r>
+            <a:endParaRPr lang="en-US" dirty="0"/>
+          </a:p>
+          <a:p>
+            <a:pPr marL="36576" indent="0">
               <a:buNone/>
             </a:pPr>
+            <a:r>
+              <a:rPr lang="en-US" sz="1800" dirty="0" smtClean="0">
+                <a:latin typeface="Consolas" panose="020B0609020204030204" pitchFamily="49" charset="0"/>
+                <a:cs typeface="Consolas" panose="020B0609020204030204" pitchFamily="49" charset="0"/>
+              </a:rPr>
+              <a:t>// </a:t>
+            </a:r>
+            <a:r>
+              <a:rPr lang="en-US" sz="1800" dirty="0">
+                <a:latin typeface="Consolas" panose="020B0609020204030204" pitchFamily="49" charset="0"/>
+                <a:cs typeface="Consolas" panose="020B0609020204030204" pitchFamily="49" charset="0"/>
+              </a:rPr>
+              <a:t>sum.js </a:t>
+            </a:r>
             <a:endParaRPr lang="en-US" sz="1800" dirty="0" smtClean="0">
               <a:latin typeface="Consolas" panose="020B0609020204030204" pitchFamily="49" charset="0"/>
               <a:cs typeface="Consolas" panose="020B0609020204030204" pitchFamily="49" charset="0"/>
             </a:endParaRPr>
           </a:p>
           <a:p>
-            <a:pPr marL="36513" indent="420688">
+            <a:pPr marL="36576" indent="0">
               <a:buNone/>
             </a:pPr>
             <a:r>
@@ -4509,11 +4571,25 @@
                 <a:latin typeface="Consolas" panose="020B0609020204030204" pitchFamily="49" charset="0"/>
                 <a:cs typeface="Consolas" panose="020B0609020204030204" pitchFamily="49" charset="0"/>
               </a:rPr>
-              <a:t>// define a module</a:t>
-            </a:r>
-          </a:p>
-          <a:p>
-            <a:pPr marL="36513" indent="420688">
+              <a:t>function </a:t>
+            </a:r>
+            <a:r>
+              <a:rPr lang="en-US" sz="1800" dirty="0">
+                <a:latin typeface="Consolas" panose="020B0609020204030204" pitchFamily="49" charset="0"/>
+                <a:cs typeface="Consolas" panose="020B0609020204030204" pitchFamily="49" charset="0"/>
+              </a:rPr>
+              <a:t>sum(value1, value2) </a:t>
+            </a:r>
+            <a:r>
+              <a:rPr lang="en-US" sz="1800" dirty="0" smtClean="0">
+                <a:latin typeface="Consolas" panose="020B0609020204030204" pitchFamily="49" charset="0"/>
+                <a:cs typeface="Consolas" panose="020B0609020204030204" pitchFamily="49" charset="0"/>
+              </a:rPr>
+              <a:t>{</a:t>
+            </a:r>
+          </a:p>
+          <a:p>
+            <a:pPr marL="36576" indent="0">
               <a:buNone/>
             </a:pPr>
             <a:r>
@@ -4521,18 +4597,32 @@
                 <a:latin typeface="Consolas" panose="020B0609020204030204" pitchFamily="49" charset="0"/>
                 <a:cs typeface="Consolas" panose="020B0609020204030204" pitchFamily="49" charset="0"/>
               </a:rPr>
-              <a:t>//Inside file my/shirt.js</a:t>
+              <a:t> </a:t>
             </a:r>
             <a:r>
               <a:rPr lang="en-US" sz="1800" dirty="0" smtClean="0">
                 <a:latin typeface="Consolas" panose="020B0609020204030204" pitchFamily="49" charset="0"/>
                 <a:cs typeface="Consolas" panose="020B0609020204030204" pitchFamily="49" charset="0"/>
               </a:rPr>
-              <a:t>:</a:t>
-            </a:r>
-          </a:p>
-          <a:p>
-            <a:pPr marL="36513" indent="420688">
+              <a:t> </a:t>
+            </a:r>
+            <a:r>
+              <a:rPr lang="en-US" sz="1800" dirty="0">
+                <a:latin typeface="Consolas" panose="020B0609020204030204" pitchFamily="49" charset="0"/>
+                <a:cs typeface="Consolas" panose="020B0609020204030204" pitchFamily="49" charset="0"/>
+              </a:rPr>
+              <a:t>return value1 + value2</a:t>
+            </a:r>
+            <a:r>
+              <a:rPr lang="en-US" sz="1800" dirty="0" smtClean="0">
+                <a:latin typeface="Consolas" panose="020B0609020204030204" pitchFamily="49" charset="0"/>
+                <a:cs typeface="Consolas" panose="020B0609020204030204" pitchFamily="49" charset="0"/>
+              </a:rPr>
+              <a:t>;</a:t>
+            </a:r>
+          </a:p>
+          <a:p>
+            <a:pPr marL="36576" indent="0">
               <a:buNone/>
             </a:pPr>
             <a:r>
@@ -4540,96 +4630,44 @@
                 <a:latin typeface="Consolas" panose="020B0609020204030204" pitchFamily="49" charset="0"/>
                 <a:cs typeface="Consolas" panose="020B0609020204030204" pitchFamily="49" charset="0"/>
               </a:rPr>
-              <a:t>define({</a:t>
-            </a:r>
-          </a:p>
-          <a:p>
-            <a:pPr marL="36513" indent="420688">
+              <a:t>}</a:t>
+            </a:r>
+          </a:p>
+          <a:p>
+            <a:pPr marL="36576" indent="0">
               <a:buNone/>
             </a:pPr>
             <a:r>
+              <a:rPr lang="en-US" sz="1800" dirty="0" err="1" smtClean="0">
+                <a:latin typeface="Consolas" panose="020B0609020204030204" pitchFamily="49" charset="0"/>
+                <a:cs typeface="Consolas" panose="020B0609020204030204" pitchFamily="49" charset="0"/>
+              </a:rPr>
+              <a:t>module.exports</a:t>
+            </a:r>
+            <a:r>
+              <a:rPr lang="en-US" sz="1800" dirty="0" smtClean="0">
+                <a:latin typeface="Consolas" panose="020B0609020204030204" pitchFamily="49" charset="0"/>
+                <a:cs typeface="Consolas" panose="020B0609020204030204" pitchFamily="49" charset="0"/>
+              </a:rPr>
+              <a:t> </a:t>
+            </a:r>
+            <a:r>
               <a:rPr lang="en-US" sz="1800" dirty="0">
                 <a:latin typeface="Consolas" panose="020B0609020204030204" pitchFamily="49" charset="0"/>
                 <a:cs typeface="Consolas" panose="020B0609020204030204" pitchFamily="49" charset="0"/>
               </a:rPr>
-              <a:t> </a:t>
+              <a:t>= sum</a:t>
             </a:r>
             <a:r>
               <a:rPr lang="en-US" sz="1800" dirty="0" smtClean="0">
                 <a:latin typeface="Consolas" panose="020B0609020204030204" pitchFamily="49" charset="0"/>
                 <a:cs typeface="Consolas" panose="020B0609020204030204" pitchFamily="49" charset="0"/>
               </a:rPr>
-              <a:t> color</a:t>
-            </a:r>
-            <a:r>
-              <a:rPr lang="en-US" sz="1800" dirty="0">
-                <a:latin typeface="Consolas" panose="020B0609020204030204" pitchFamily="49" charset="0"/>
-                <a:cs typeface="Consolas" panose="020B0609020204030204" pitchFamily="49" charset="0"/>
-              </a:rPr>
-              <a:t>: "black</a:t>
-            </a:r>
-            <a:r>
-              <a:rPr lang="en-US" sz="1800" dirty="0" smtClean="0">
-                <a:latin typeface="Consolas" panose="020B0609020204030204" pitchFamily="49" charset="0"/>
-                <a:cs typeface="Consolas" panose="020B0609020204030204" pitchFamily="49" charset="0"/>
-              </a:rPr>
-              <a:t>",</a:t>
-            </a:r>
-          </a:p>
-          <a:p>
-            <a:pPr marL="36513" indent="420688">
-              <a:buNone/>
-            </a:pPr>
-            <a:r>
-              <a:rPr lang="en-US" sz="1800" dirty="0">
-                <a:latin typeface="Consolas" panose="020B0609020204030204" pitchFamily="49" charset="0"/>
-                <a:cs typeface="Consolas" panose="020B0609020204030204" pitchFamily="49" charset="0"/>
-              </a:rPr>
-              <a:t> </a:t>
-            </a:r>
-            <a:r>
-              <a:rPr lang="en-US" sz="1800" dirty="0" smtClean="0">
-                <a:latin typeface="Consolas" panose="020B0609020204030204" pitchFamily="49" charset="0"/>
-                <a:cs typeface="Consolas" panose="020B0609020204030204" pitchFamily="49" charset="0"/>
-              </a:rPr>
-              <a:t> </a:t>
-            </a:r>
-            <a:r>
-              <a:rPr lang="en-US" sz="1800" dirty="0">
-                <a:latin typeface="Consolas" panose="020B0609020204030204" pitchFamily="49" charset="0"/>
-                <a:cs typeface="Consolas" panose="020B0609020204030204" pitchFamily="49" charset="0"/>
-              </a:rPr>
-              <a:t>size: "</a:t>
-            </a:r>
-            <a:r>
-              <a:rPr lang="en-US" sz="1800" dirty="0" err="1" smtClean="0">
-                <a:latin typeface="Consolas" panose="020B0609020204030204" pitchFamily="49" charset="0"/>
-                <a:cs typeface="Consolas" panose="020B0609020204030204" pitchFamily="49" charset="0"/>
-              </a:rPr>
-              <a:t>unisize</a:t>
-            </a:r>
-            <a:r>
-              <a:rPr lang="en-US" sz="1800" dirty="0" smtClean="0">
-                <a:latin typeface="Consolas" panose="020B0609020204030204" pitchFamily="49" charset="0"/>
-                <a:cs typeface="Consolas" panose="020B0609020204030204" pitchFamily="49" charset="0"/>
-              </a:rPr>
-              <a:t>“</a:t>
-            </a:r>
-          </a:p>
-          <a:p>
-            <a:pPr marL="36513" indent="420688">
-              <a:buNone/>
-            </a:pPr>
-            <a:r>
-              <a:rPr lang="en-US" sz="1800" dirty="0" smtClean="0">
-                <a:latin typeface="Consolas" panose="020B0609020204030204" pitchFamily="49" charset="0"/>
-                <a:cs typeface="Consolas" panose="020B0609020204030204" pitchFamily="49" charset="0"/>
-              </a:rPr>
-              <a:t>});</a:t>
-            </a:r>
-          </a:p>
-          <a:p>
-            <a:pPr marL="36513" indent="420688">
+              <a:t>;</a:t>
+            </a:r>
+          </a:p>
+          <a:p>
+            <a:pPr marL="36576" indent="0">
               <a:buNone/>
             </a:pPr>
             <a:endParaRPr lang="en-US" sz="1800" dirty="0">
@@ -4638,38 +4676,85 @@
             </a:endParaRPr>
           </a:p>
           <a:p>
-            <a:pPr marL="36513" indent="420688">
+            <a:pPr marL="36576" indent="0">
               <a:buNone/>
             </a:pPr>
             <a:r>
+              <a:rPr lang="en-US" sz="1800" dirty="0">
+                <a:latin typeface="Consolas" panose="020B0609020204030204" pitchFamily="49" charset="0"/>
+                <a:cs typeface="Consolas" panose="020B0609020204030204" pitchFamily="49" charset="0"/>
+              </a:rPr>
+              <a:t>// __tests__/</a:t>
+            </a:r>
+            <a:r>
               <a:rPr lang="en-US" sz="1800" dirty="0" smtClean="0">
                 <a:latin typeface="Consolas" panose="020B0609020204030204" pitchFamily="49" charset="0"/>
                 <a:cs typeface="Consolas" panose="020B0609020204030204" pitchFamily="49" charset="0"/>
               </a:rPr>
-              <a:t>// In main.js</a:t>
-            </a:r>
-          </a:p>
-          <a:p>
-            <a:pPr marL="36513" indent="420688">
+              <a:t>sum-test.js</a:t>
+            </a:r>
+          </a:p>
+          <a:p>
+            <a:pPr marL="36576" indent="0">
               <a:buNone/>
             </a:pPr>
             <a:r>
+              <a:rPr lang="en-US" sz="1800" dirty="0" err="1" smtClean="0">
+                <a:latin typeface="Consolas" panose="020B0609020204030204" pitchFamily="49" charset="0"/>
+                <a:cs typeface="Consolas" panose="020B0609020204030204" pitchFamily="49" charset="0"/>
+              </a:rPr>
+              <a:t>jest.dontMock</a:t>
+            </a:r>
+            <a:r>
+              <a:rPr lang="en-US" sz="1800" dirty="0">
+                <a:latin typeface="Consolas" panose="020B0609020204030204" pitchFamily="49" charset="0"/>
+                <a:cs typeface="Consolas" panose="020B0609020204030204" pitchFamily="49" charset="0"/>
+              </a:rPr>
+              <a:t>('../sum</a:t>
+            </a:r>
+            <a:r>
               <a:rPr lang="en-US" sz="1800" dirty="0" smtClean="0">
                 <a:latin typeface="Consolas" panose="020B0609020204030204" pitchFamily="49" charset="0"/>
                 <a:cs typeface="Consolas" panose="020B0609020204030204" pitchFamily="49" charset="0"/>
               </a:rPr>
-              <a:t>require([‘my/shirt.js’],function(shirt) {</a:t>
-            </a:r>
-          </a:p>
-          <a:p>
-            <a:pPr marL="36513" indent="420688">
+              <a:t>');</a:t>
+            </a:r>
+          </a:p>
+          <a:p>
+            <a:pPr marL="36576" indent="0">
               <a:buNone/>
             </a:pPr>
             <a:r>
+              <a:rPr lang="en-US" sz="1800" dirty="0" smtClean="0">
+                <a:latin typeface="Consolas" panose="020B0609020204030204" pitchFamily="49" charset="0"/>
+                <a:cs typeface="Consolas" panose="020B0609020204030204" pitchFamily="49" charset="0"/>
+              </a:rPr>
+              <a:t>describe</a:t>
+            </a:r>
+            <a:r>
               <a:rPr lang="en-US" sz="1800" dirty="0">
                 <a:latin typeface="Consolas" panose="020B0609020204030204" pitchFamily="49" charset="0"/>
                 <a:cs typeface="Consolas" panose="020B0609020204030204" pitchFamily="49" charset="0"/>
               </a:rPr>
+              <a:t>('sum', function() </a:t>
+            </a:r>
+            <a:r>
+              <a:rPr lang="en-US" sz="1800" dirty="0" smtClean="0">
+                <a:latin typeface="Consolas" panose="020B0609020204030204" pitchFamily="49" charset="0"/>
+                <a:cs typeface="Consolas" panose="020B0609020204030204" pitchFamily="49" charset="0"/>
+              </a:rPr>
+              <a:t>{</a:t>
+            </a:r>
+          </a:p>
+          <a:p>
+            <a:pPr marL="36576" indent="0">
+              <a:buNone/>
+            </a:pPr>
+            <a:r>
+              <a:rPr lang="en-US" sz="1800" dirty="0">
+                <a:latin typeface="Consolas" panose="020B0609020204030204" pitchFamily="49" charset="0"/>
+                <a:cs typeface="Consolas" panose="020B0609020204030204" pitchFamily="49" charset="0"/>
+              </a:rPr>
               <a:t> </a:t>
             </a:r>
             <a:r>
@@ -4677,25 +4762,131 @@
                 <a:latin typeface="Consolas" panose="020B0609020204030204" pitchFamily="49" charset="0"/>
                 <a:cs typeface="Consolas" panose="020B0609020204030204" pitchFamily="49" charset="0"/>
               </a:rPr>
-              <a:t> alert(</a:t>
-            </a:r>
-            <a:r>
-              <a:rPr lang="en-US" sz="1800" dirty="0" err="1" smtClean="0">
-                <a:latin typeface="Consolas" panose="020B0609020204030204" pitchFamily="49" charset="0"/>
-                <a:cs typeface="Consolas" panose="020B0609020204030204" pitchFamily="49" charset="0"/>
-              </a:rPr>
-              <a:t>shirt.color</a:t>
+              <a:t> </a:t>
+            </a:r>
+            <a:r>
+              <a:rPr lang="en-US" sz="1800" dirty="0">
+                <a:latin typeface="Consolas" panose="020B0609020204030204" pitchFamily="49" charset="0"/>
+                <a:cs typeface="Consolas" panose="020B0609020204030204" pitchFamily="49" charset="0"/>
+              </a:rPr>
+              <a:t>it('adds 1 + 2 to equal 3', function() </a:t>
             </a:r>
             <a:r>
               <a:rPr lang="en-US" sz="1800" dirty="0" smtClean="0">
                 <a:latin typeface="Consolas" panose="020B0609020204030204" pitchFamily="49" charset="0"/>
                 <a:cs typeface="Consolas" panose="020B0609020204030204" pitchFamily="49" charset="0"/>
               </a:rPr>
-              <a:t>); // black</a:t>
-            </a:r>
-          </a:p>
-          <a:p>
-            <a:pPr marL="36513" indent="420688">
+              <a:t>{</a:t>
+            </a:r>
+          </a:p>
+          <a:p>
+            <a:pPr marL="36576" indent="0">
+              <a:buNone/>
+            </a:pPr>
+            <a:r>
+              <a:rPr lang="en-US" sz="1800" dirty="0">
+                <a:latin typeface="Consolas" panose="020B0609020204030204" pitchFamily="49" charset="0"/>
+                <a:cs typeface="Consolas" panose="020B0609020204030204" pitchFamily="49" charset="0"/>
+              </a:rPr>
+              <a:t> </a:t>
+            </a:r>
+            <a:r>
+              <a:rPr lang="en-US" sz="1800" dirty="0" smtClean="0">
+                <a:latin typeface="Consolas" panose="020B0609020204030204" pitchFamily="49" charset="0"/>
+                <a:cs typeface="Consolas" panose="020B0609020204030204" pitchFamily="49" charset="0"/>
+              </a:rPr>
+              <a:t>   </a:t>
+            </a:r>
+            <a:r>
+              <a:rPr lang="en-US" sz="1800" dirty="0" err="1">
+                <a:latin typeface="Consolas" panose="020B0609020204030204" pitchFamily="49" charset="0"/>
+                <a:cs typeface="Consolas" panose="020B0609020204030204" pitchFamily="49" charset="0"/>
+              </a:rPr>
+              <a:t>var</a:t>
+            </a:r>
+            <a:r>
+              <a:rPr lang="en-US" sz="1800" dirty="0">
+                <a:latin typeface="Consolas" panose="020B0609020204030204" pitchFamily="49" charset="0"/>
+                <a:cs typeface="Consolas" panose="020B0609020204030204" pitchFamily="49" charset="0"/>
+              </a:rPr>
+              <a:t> sum = require('../sum</a:t>
+            </a:r>
+            <a:r>
+              <a:rPr lang="en-US" sz="1800" dirty="0" smtClean="0">
+                <a:latin typeface="Consolas" panose="020B0609020204030204" pitchFamily="49" charset="0"/>
+                <a:cs typeface="Consolas" panose="020B0609020204030204" pitchFamily="49" charset="0"/>
+              </a:rPr>
+              <a:t>');</a:t>
+            </a:r>
+          </a:p>
+          <a:p>
+            <a:pPr marL="36576" indent="0">
+              <a:buNone/>
+            </a:pPr>
+            <a:r>
+              <a:rPr lang="en-US" sz="1800" dirty="0">
+                <a:latin typeface="Consolas" panose="020B0609020204030204" pitchFamily="49" charset="0"/>
+                <a:cs typeface="Consolas" panose="020B0609020204030204" pitchFamily="49" charset="0"/>
+              </a:rPr>
+              <a:t> </a:t>
+            </a:r>
+            <a:r>
+              <a:rPr lang="en-US" sz="1800" dirty="0" smtClean="0">
+                <a:latin typeface="Consolas" panose="020B0609020204030204" pitchFamily="49" charset="0"/>
+                <a:cs typeface="Consolas" panose="020B0609020204030204" pitchFamily="49" charset="0"/>
+              </a:rPr>
+              <a:t>   </a:t>
+            </a:r>
+            <a:r>
+              <a:rPr lang="en-US" sz="1800" dirty="0">
+                <a:latin typeface="Consolas" panose="020B0609020204030204" pitchFamily="49" charset="0"/>
+                <a:cs typeface="Consolas" panose="020B0609020204030204" pitchFamily="49" charset="0"/>
+              </a:rPr>
+              <a:t>expect(sum(1, 2)).</a:t>
+            </a:r>
+            <a:r>
+              <a:rPr lang="en-US" sz="1800" dirty="0" err="1">
+                <a:latin typeface="Consolas" panose="020B0609020204030204" pitchFamily="49" charset="0"/>
+                <a:cs typeface="Consolas" panose="020B0609020204030204" pitchFamily="49" charset="0"/>
+              </a:rPr>
+              <a:t>toBe</a:t>
+            </a:r>
+            <a:r>
+              <a:rPr lang="en-US" sz="1800" dirty="0">
+                <a:latin typeface="Consolas" panose="020B0609020204030204" pitchFamily="49" charset="0"/>
+                <a:cs typeface="Consolas" panose="020B0609020204030204" pitchFamily="49" charset="0"/>
+              </a:rPr>
+              <a:t>(3</a:t>
+            </a:r>
+            <a:r>
+              <a:rPr lang="en-US" sz="1800" dirty="0" smtClean="0">
+                <a:latin typeface="Consolas" panose="020B0609020204030204" pitchFamily="49" charset="0"/>
+                <a:cs typeface="Consolas" panose="020B0609020204030204" pitchFamily="49" charset="0"/>
+              </a:rPr>
+              <a:t>);</a:t>
+            </a:r>
+          </a:p>
+          <a:p>
+            <a:pPr marL="36576" indent="0">
+              <a:buNone/>
+            </a:pPr>
+            <a:r>
+              <a:rPr lang="en-US" sz="1800" dirty="0">
+                <a:latin typeface="Consolas" panose="020B0609020204030204" pitchFamily="49" charset="0"/>
+                <a:cs typeface="Consolas" panose="020B0609020204030204" pitchFamily="49" charset="0"/>
+              </a:rPr>
+              <a:t> </a:t>
+            </a:r>
+            <a:r>
+              <a:rPr lang="en-US" sz="1800" dirty="0" smtClean="0">
+                <a:latin typeface="Consolas" panose="020B0609020204030204" pitchFamily="49" charset="0"/>
+                <a:cs typeface="Consolas" panose="020B0609020204030204" pitchFamily="49" charset="0"/>
+              </a:rPr>
+              <a:t> });</a:t>
+            </a:r>
+          </a:p>
+          <a:p>
+            <a:pPr marL="36576" indent="0">
               <a:buNone/>
             </a:pPr>
             <a:r>
@@ -4710,12 +4901,15 @@
               <a:cs typeface="Consolas" panose="020B0609020204030204" pitchFamily="49" charset="0"/>
             </a:endParaRPr>
           </a:p>
+          <a:p>
+            <a:endParaRPr lang="en-US" dirty="0"/>
+          </a:p>
         </p:txBody>
       </p:sp>
     </p:spTree>
     <p:extLst>
       <p:ext uri="{BB962C8B-B14F-4D97-AF65-F5344CB8AC3E}">
-        <p14:creationId xmlns:p14="http://schemas.microsoft.com/office/powerpoint/2010/main" val="4101921567"/>
+        <p14:creationId xmlns:p14="http://schemas.microsoft.com/office/powerpoint/2010/main" val="2523362321"/>
       </p:ext>
     </p:extLst>
   </p:cSld>
@@ -4765,20 +4959,8 @@
           <a:lstStyle/>
           <a:p>
             <a:r>
-              <a:rPr lang="en-US" dirty="0" err="1" smtClean="0"/>
-              <a:t>Browserify</a:t>
-            </a:r>
-            <a:r>
               <a:rPr lang="en-US" dirty="0" smtClean="0"/>
-              <a:t> (</a:t>
-            </a:r>
-            <a:r>
-              <a:rPr lang="en-US" dirty="0" err="1" smtClean="0"/>
-              <a:t>CommonJS</a:t>
-            </a:r>
-            <a:r>
-              <a:rPr lang="en-US" dirty="0" smtClean="0"/>
-              <a:t>)</a:t>
+              <a:t>Jest</a:t>
             </a:r>
             <a:endParaRPr lang="en-US" dirty="0"/>
           </a:p>
@@ -4796,225 +4978,81 @@
         </p:nvSpPr>
         <p:spPr/>
         <p:txBody>
-          <a:bodyPr>
-            <a:normAutofit fontScale="77500" lnSpcReduction="20000"/>
-          </a:bodyPr>
-          <a:lstStyle/>
-          <a:p>
-            <a:r>
-              <a:rPr lang="en-US" dirty="0"/>
-              <a:t>Browsers don't have the require method defined, but Node.js does. With </a:t>
-            </a:r>
-            <a:r>
-              <a:rPr lang="en-US" dirty="0" err="1">
-                <a:hlinkClick r:id="rId2"/>
-              </a:rPr>
-              <a:t>Browserify</a:t>
-            </a:r>
-            <a:r>
-              <a:rPr lang="en-US" dirty="0"/>
-              <a:t> you can write code that uses require in the same way that you would use it in Node</a:t>
-            </a:r>
-            <a:r>
-              <a:rPr lang="en-US" dirty="0" smtClean="0"/>
-              <a:t>.</a:t>
-            </a:r>
-          </a:p>
-          <a:p>
-            <a:r>
-              <a:rPr lang="en-US" dirty="0" smtClean="0"/>
-              <a:t>Example:</a:t>
-            </a:r>
-          </a:p>
-          <a:p>
-            <a:pPr marL="36513" indent="420688">
-              <a:buNone/>
-            </a:pPr>
-            <a:endParaRPr lang="en-US" sz="1800" dirty="0" smtClean="0">
-              <a:latin typeface="Consolas" panose="020B0609020204030204" pitchFamily="49" charset="0"/>
-              <a:cs typeface="Consolas" panose="020B0609020204030204" pitchFamily="49" charset="0"/>
-            </a:endParaRPr>
-          </a:p>
-          <a:p>
-            <a:pPr marL="36513" indent="420688">
-              <a:buNone/>
-            </a:pPr>
-            <a:r>
-              <a:rPr lang="en-US" sz="1800" dirty="0" smtClean="0">
-                <a:latin typeface="Consolas" panose="020B0609020204030204" pitchFamily="49" charset="0"/>
-                <a:cs typeface="Consolas" panose="020B0609020204030204" pitchFamily="49" charset="0"/>
-              </a:rPr>
-              <a:t>// Create a module like any node module. (e.g. hi.js)</a:t>
-            </a:r>
-          </a:p>
-          <a:p>
-            <a:pPr marL="36513" indent="420688">
-              <a:buNone/>
-            </a:pPr>
-            <a:r>
-              <a:rPr lang="en-US" sz="1800" dirty="0" err="1" smtClean="0">
-                <a:latin typeface="Consolas" panose="020B0609020204030204" pitchFamily="49" charset="0"/>
-                <a:cs typeface="Consolas" panose="020B0609020204030204" pitchFamily="49" charset="0"/>
-              </a:rPr>
-              <a:t>module.exports</a:t>
-            </a:r>
-            <a:r>
-              <a:rPr lang="en-US" sz="1800" dirty="0" smtClean="0">
-                <a:latin typeface="Consolas" panose="020B0609020204030204" pitchFamily="49" charset="0"/>
-                <a:cs typeface="Consolas" panose="020B0609020204030204" pitchFamily="49" charset="0"/>
-              </a:rPr>
-              <a:t> = function() {</a:t>
-            </a:r>
-          </a:p>
-          <a:p>
-            <a:pPr marL="36513" indent="420688">
-              <a:buNone/>
-            </a:pPr>
-            <a:r>
-              <a:rPr lang="en-US" sz="1800" dirty="0">
-                <a:latin typeface="Consolas" panose="020B0609020204030204" pitchFamily="49" charset="0"/>
-                <a:cs typeface="Consolas" panose="020B0609020204030204" pitchFamily="49" charset="0"/>
-              </a:rPr>
-              <a:t> </a:t>
-            </a:r>
-            <a:r>
-              <a:rPr lang="en-US" sz="1800" dirty="0" smtClean="0">
-                <a:latin typeface="Consolas" panose="020B0609020204030204" pitchFamily="49" charset="0"/>
-                <a:cs typeface="Consolas" panose="020B0609020204030204" pitchFamily="49" charset="0"/>
-              </a:rPr>
-              <a:t> return “Hello World!”;</a:t>
-            </a:r>
-          </a:p>
-          <a:p>
-            <a:pPr marL="36513" indent="420688">
-              <a:buNone/>
-            </a:pPr>
-            <a:r>
-              <a:rPr lang="en-US" sz="1800" dirty="0" smtClean="0">
-                <a:latin typeface="Consolas" panose="020B0609020204030204" pitchFamily="49" charset="0"/>
-                <a:cs typeface="Consolas" panose="020B0609020204030204" pitchFamily="49" charset="0"/>
-              </a:rPr>
-              <a:t>}</a:t>
-            </a:r>
-          </a:p>
-          <a:p>
-            <a:pPr marL="36513" indent="420688">
-              <a:buNone/>
-            </a:pPr>
-            <a:endParaRPr lang="en-US" sz="1800" dirty="0">
-              <a:latin typeface="Consolas" panose="020B0609020204030204" pitchFamily="49" charset="0"/>
-              <a:cs typeface="Consolas" panose="020B0609020204030204" pitchFamily="49" charset="0"/>
-            </a:endParaRPr>
-          </a:p>
-          <a:p>
-            <a:pPr marL="36513" indent="420688">
-              <a:buNone/>
-            </a:pPr>
-            <a:r>
-              <a:rPr lang="en-US" sz="1800" dirty="0" smtClean="0">
-                <a:latin typeface="Consolas" panose="020B0609020204030204" pitchFamily="49" charset="0"/>
-                <a:cs typeface="Consolas" panose="020B0609020204030204" pitchFamily="49" charset="0"/>
-              </a:rPr>
-              <a:t>// in main.js</a:t>
-            </a:r>
-          </a:p>
-          <a:p>
-            <a:pPr marL="36513" indent="420688">
-              <a:buNone/>
-            </a:pPr>
-            <a:r>
-              <a:rPr lang="en-US" sz="1800" dirty="0" err="1" smtClean="0">
-                <a:latin typeface="Consolas" panose="020B0609020204030204" pitchFamily="49" charset="0"/>
-                <a:cs typeface="Consolas" panose="020B0609020204030204" pitchFamily="49" charset="0"/>
-              </a:rPr>
-              <a:t>var</a:t>
-            </a:r>
-            <a:r>
-              <a:rPr lang="en-US" sz="1800" dirty="0" smtClean="0">
-                <a:latin typeface="Consolas" panose="020B0609020204030204" pitchFamily="49" charset="0"/>
-                <a:cs typeface="Consolas" panose="020B0609020204030204" pitchFamily="49" charset="0"/>
-              </a:rPr>
-              <a:t> hello = require(‘hi.js’);</a:t>
-            </a:r>
-          </a:p>
-          <a:p>
-            <a:pPr marL="36513" indent="420688">
-              <a:buNone/>
-            </a:pPr>
-            <a:r>
-              <a:rPr lang="en-US" sz="1800" dirty="0" smtClean="0">
-                <a:latin typeface="Consolas" panose="020B0609020204030204" pitchFamily="49" charset="0"/>
-                <a:cs typeface="Consolas" panose="020B0609020204030204" pitchFamily="49" charset="0"/>
-              </a:rPr>
-              <a:t>alert(hello()) // returns “Hello World!”</a:t>
-            </a:r>
-          </a:p>
-          <a:p>
-            <a:pPr marL="36513" indent="420688">
-              <a:buNone/>
-            </a:pPr>
-            <a:endParaRPr lang="en-US" sz="1800" dirty="0" smtClean="0">
-              <a:latin typeface="Consolas" panose="020B0609020204030204" pitchFamily="49" charset="0"/>
-              <a:cs typeface="Consolas" panose="020B0609020204030204" pitchFamily="49" charset="0"/>
-            </a:endParaRPr>
-          </a:p>
-          <a:p>
-            <a:r>
-              <a:rPr lang="en-US" dirty="0" err="1" smtClean="0"/>
-              <a:t>Browserify</a:t>
-            </a:r>
-            <a:r>
-              <a:rPr lang="en-US" dirty="0" smtClean="0"/>
-              <a:t> will create one </a:t>
-            </a:r>
-            <a:r>
-              <a:rPr lang="en-US" dirty="0" err="1" smtClean="0"/>
-              <a:t>js</a:t>
-            </a:r>
-            <a:r>
-              <a:rPr lang="en-US" dirty="0" smtClean="0"/>
-              <a:t> file for you</a:t>
-            </a:r>
-          </a:p>
-          <a:p>
-            <a:pPr lvl="1"/>
-            <a:r>
-              <a:rPr lang="en-US" sz="2100" dirty="0" err="1" smtClean="0">
-                <a:latin typeface="Consolas" panose="020B0609020204030204" pitchFamily="49" charset="0"/>
-                <a:cs typeface="Consolas" panose="020B0609020204030204" pitchFamily="49" charset="0"/>
-              </a:rPr>
-              <a:t>browserify</a:t>
-            </a:r>
-            <a:r>
-              <a:rPr lang="en-US" sz="2100" dirty="0" smtClean="0">
-                <a:latin typeface="Consolas" panose="020B0609020204030204" pitchFamily="49" charset="0"/>
-                <a:cs typeface="Consolas" panose="020B0609020204030204" pitchFamily="49" charset="0"/>
-              </a:rPr>
-              <a:t> </a:t>
-            </a:r>
-            <a:r>
-              <a:rPr lang="en-US" sz="2100" dirty="0">
-                <a:latin typeface="Consolas" panose="020B0609020204030204" pitchFamily="49" charset="0"/>
-                <a:cs typeface="Consolas" panose="020B0609020204030204" pitchFamily="49" charset="0"/>
-              </a:rPr>
-              <a:t>main.js –o bundle.js</a:t>
-            </a:r>
-          </a:p>
-          <a:p>
-            <a:pPr marL="36513" indent="420688">
-              <a:buNone/>
-            </a:pPr>
-            <a:endParaRPr lang="en-US" dirty="0">
-              <a:latin typeface="Consolas" panose="020B0609020204030204" pitchFamily="49" charset="0"/>
-              <a:cs typeface="Consolas" panose="020B0609020204030204" pitchFamily="49" charset="0"/>
-            </a:endParaRPr>
-          </a:p>
-        </p:txBody>
-      </p:sp>
+          <a:bodyPr/>
+          <a:lstStyle/>
+          <a:p>
+            <a:endParaRPr lang="en-US" dirty="0"/>
+          </a:p>
+        </p:txBody>
+      </p:sp>
+      <p:pic>
+        <p:nvPicPr>
+          <p:cNvPr id="1026" name="Picture 2"/>
+          <p:cNvPicPr>
+            <a:picLocks noChangeAspect="1" noChangeArrowheads="1"/>
+          </p:cNvPicPr>
+          <p:nvPr/>
+        </p:nvPicPr>
+        <p:blipFill>
+          <a:blip r:embed="rId2">
+            <a:extLst>
+              <a:ext uri="{28A0092B-C50C-407E-A947-70E740481C1C}">
+                <a14:useLocalDpi xmlns:a14="http://schemas.microsoft.com/office/drawing/2010/main" val="0"/>
+              </a:ext>
+            </a:extLst>
+          </a:blip>
+          <a:srcRect/>
+          <a:stretch>
+            <a:fillRect/>
+          </a:stretch>
+        </p:blipFill>
+        <p:spPr bwMode="auto">
+          <a:xfrm>
+            <a:off x="1909763" y="2519363"/>
+            <a:ext cx="5324475" cy="1819275"/>
+          </a:xfrm>
+          <a:prstGeom prst="rect">
+            <a:avLst/>
+          </a:prstGeom>
+          <a:noFill/>
+          <a:ln>
+            <a:noFill/>
+          </a:ln>
+          <a:effectLst/>
+          <a:extLst>
+            <a:ext uri="{909E8E84-426E-40DD-AFC4-6F175D3DCCD1}">
+              <a14:hiddenFill xmlns:a14="http://schemas.microsoft.com/office/drawing/2010/main">
+                <a:solidFill>
+                  <a:schemeClr val="accent1"/>
+                </a:solidFill>
+              </a14:hiddenFill>
+            </a:ext>
+            <a:ext uri="{91240B29-F687-4F45-9708-019B960494DF}">
+              <a14:hiddenLine xmlns:a14="http://schemas.microsoft.com/office/drawing/2010/main" w="9525">
+                <a:solidFill>
+                  <a:schemeClr val="tx1"/>
+                </a:solidFill>
+                <a:miter lim="800000"/>
+                <a:headEnd/>
+                <a:tailEnd/>
+              </a14:hiddenLine>
+            </a:ext>
+            <a:ext uri="{AF507438-7753-43E0-B8FC-AC1667EBCBE1}">
+              <a14:hiddenEffects xmlns:a14="http://schemas.microsoft.com/office/drawing/2010/main">
+                <a:effectLst>
+                  <a:outerShdw dist="35921" dir="2700000" algn="ctr" rotWithShape="0">
+                    <a:schemeClr val="bg2"/>
+                  </a:outerShdw>
+                </a:effectLst>
+              </a14:hiddenEffects>
+            </a:ext>
+          </a:extLst>
+        </p:spPr>
+      </p:pic>
     </p:spTree>
     <p:extLst>
       <p:ext uri="{BB962C8B-B14F-4D97-AF65-F5344CB8AC3E}">
-        <p14:creationId xmlns:p14="http://schemas.microsoft.com/office/powerpoint/2010/main" val="3140160138"/>
+        <p14:creationId xmlns:p14="http://schemas.microsoft.com/office/powerpoint/2010/main" val="4102672208"/>
       </p:ext>
     </p:extLst>
   </p:cSld>
@@ -5064,6 +5102,745 @@
           <a:lstStyle/>
           <a:p>
             <a:r>
+              <a:rPr lang="en-US" dirty="0" smtClean="0"/>
+              <a:t>Demonstration</a:t>
+            </a:r>
+            <a:endParaRPr lang="en-US" dirty="0"/>
+          </a:p>
+        </p:txBody>
+      </p:sp>
+      <p:sp>
+        <p:nvSpPr>
+          <p:cNvPr id="3" name="Content Placeholder 2"/>
+          <p:cNvSpPr>
+            <a:spLocks noGrp="1"/>
+          </p:cNvSpPr>
+          <p:nvPr>
+            <p:ph idx="1"/>
+          </p:nvPr>
+        </p:nvSpPr>
+        <p:spPr/>
+        <p:txBody>
+          <a:bodyPr/>
+          <a:lstStyle/>
+          <a:p>
+            <a:r>
+              <a:rPr lang="en-US" dirty="0"/>
+              <a:t>Adapted from </a:t>
+            </a:r>
+            <a:r>
+              <a:rPr lang="en-US" dirty="0">
+                <a:hlinkClick r:id="rId2"/>
+              </a:rPr>
+              <a:t>http://</a:t>
+            </a:r>
+            <a:r>
+              <a:rPr lang="en-US" dirty="0" smtClean="0">
+                <a:hlinkClick r:id="rId2"/>
+              </a:rPr>
+              <a:t>osintegrators.com/testing-javascript-with-karma</a:t>
+            </a:r>
+            <a:r>
+              <a:rPr lang="en-US" dirty="0" smtClean="0"/>
+              <a:t> </a:t>
+            </a:r>
+          </a:p>
+          <a:p>
+            <a:r>
+              <a:rPr lang="en-US" dirty="0" smtClean="0"/>
+              <a:t>Code available: </a:t>
+            </a:r>
+            <a:endParaRPr lang="en-US" dirty="0"/>
+          </a:p>
+        </p:txBody>
+      </p:sp>
+    </p:spTree>
+    <p:extLst>
+      <p:ext uri="{BB962C8B-B14F-4D97-AF65-F5344CB8AC3E}">
+        <p14:creationId xmlns:p14="http://schemas.microsoft.com/office/powerpoint/2010/main" val="266166528"/>
+      </p:ext>
+    </p:extLst>
+  </p:cSld>
+  <p:clrMapOvr>
+    <a:masterClrMapping/>
+  </p:clrMapOvr>
+  <p:timing>
+    <p:tnLst>
+      <p:par>
+        <p:cTn id="1" dur="indefinite" restart="never" nodeType="tmRoot"/>
+      </p:par>
+    </p:tnLst>
+  </p:timing>
+</p:sld>
+</file>
+
+<file path=ppt/slides/slide15.xml><?xml version="1.0" encoding="utf-8"?>
+<p:sld xmlns:a="http://schemas.openxmlformats.org/drawingml/2006/main" xmlns:r="http://schemas.openxmlformats.org/officeDocument/2006/relationships" xmlns:p="http://schemas.openxmlformats.org/presentationml/2006/main">
+  <p:cSld>
+    <p:spTree>
+      <p:nvGrpSpPr>
+        <p:cNvPr id="1" name=""/>
+        <p:cNvGrpSpPr/>
+        <p:nvPr/>
+      </p:nvGrpSpPr>
+      <p:grpSpPr>
+        <a:xfrm>
+          <a:off x="0" y="0"/>
+          <a:ext cx="0" cy="0"/>
+          <a:chOff x="0" y="0"/>
+          <a:chExt cx="0" cy="0"/>
+        </a:xfrm>
+      </p:grpSpPr>
+      <p:sp>
+        <p:nvSpPr>
+          <p:cNvPr id="2" name="Title 1"/>
+          <p:cNvSpPr>
+            <a:spLocks noGrp="1"/>
+          </p:cNvSpPr>
+          <p:nvPr>
+            <p:ph type="title"/>
+          </p:nvPr>
+        </p:nvSpPr>
+        <p:spPr/>
+        <p:txBody>
+          <a:bodyPr/>
+          <a:lstStyle/>
+          <a:p>
+            <a:r>
+              <a:rPr lang="en-US" dirty="0" err="1" smtClean="0"/>
+              <a:t>RequireJS</a:t>
+            </a:r>
+            <a:r>
+              <a:rPr lang="en-US" dirty="0" smtClean="0"/>
+              <a:t> (AMD)</a:t>
+            </a:r>
+            <a:endParaRPr lang="en-US" dirty="0"/>
+          </a:p>
+        </p:txBody>
+      </p:sp>
+      <p:sp>
+        <p:nvSpPr>
+          <p:cNvPr id="3" name="Content Placeholder 2"/>
+          <p:cNvSpPr>
+            <a:spLocks noGrp="1"/>
+          </p:cNvSpPr>
+          <p:nvPr>
+            <p:ph idx="1"/>
+          </p:nvPr>
+        </p:nvSpPr>
+        <p:spPr/>
+        <p:txBody>
+          <a:bodyPr>
+            <a:normAutofit fontScale="77500" lnSpcReduction="20000"/>
+          </a:bodyPr>
+          <a:lstStyle/>
+          <a:p>
+            <a:r>
+              <a:rPr lang="en-US" dirty="0" err="1" smtClean="0">
+                <a:hlinkClick r:id="rId2"/>
+              </a:rPr>
+              <a:t>RequireJS</a:t>
+            </a:r>
+            <a:r>
+              <a:rPr lang="en-US" dirty="0" smtClean="0"/>
+              <a:t> is </a:t>
+            </a:r>
+            <a:r>
+              <a:rPr lang="en-US" dirty="0"/>
+              <a:t>a JavaScript file and module loader. It is optimized for in-browser use, but it can be used in other JavaScript environments, like Rhino and Node. Using a modular script loader like </a:t>
+            </a:r>
+            <a:r>
+              <a:rPr lang="en-US" dirty="0" err="1"/>
+              <a:t>RequireJS</a:t>
+            </a:r>
+            <a:r>
+              <a:rPr lang="en-US" dirty="0"/>
+              <a:t> will improve the speed and quality of your code</a:t>
+            </a:r>
+            <a:r>
+              <a:rPr lang="en-US" dirty="0" smtClean="0"/>
+              <a:t>.</a:t>
+            </a:r>
+          </a:p>
+          <a:p>
+            <a:r>
+              <a:rPr lang="en-US" dirty="0" smtClean="0"/>
+              <a:t>Example:</a:t>
+            </a:r>
+          </a:p>
+          <a:p>
+            <a:pPr marL="36513" indent="420688">
+              <a:buNone/>
+            </a:pPr>
+            <a:endParaRPr lang="en-US" sz="1800" dirty="0" smtClean="0">
+              <a:latin typeface="Consolas" panose="020B0609020204030204" pitchFamily="49" charset="0"/>
+              <a:cs typeface="Consolas" panose="020B0609020204030204" pitchFamily="49" charset="0"/>
+            </a:endParaRPr>
+          </a:p>
+          <a:p>
+            <a:pPr marL="36513" indent="420688">
+              <a:buNone/>
+            </a:pPr>
+            <a:r>
+              <a:rPr lang="en-US" sz="1800" dirty="0" smtClean="0">
+                <a:latin typeface="Consolas" panose="020B0609020204030204" pitchFamily="49" charset="0"/>
+                <a:cs typeface="Consolas" panose="020B0609020204030204" pitchFamily="49" charset="0"/>
+              </a:rPr>
+              <a:t>// define a module</a:t>
+            </a:r>
+          </a:p>
+          <a:p>
+            <a:pPr marL="36513" indent="420688">
+              <a:buNone/>
+            </a:pPr>
+            <a:r>
+              <a:rPr lang="en-US" sz="1800" dirty="0">
+                <a:latin typeface="Consolas" panose="020B0609020204030204" pitchFamily="49" charset="0"/>
+                <a:cs typeface="Consolas" panose="020B0609020204030204" pitchFamily="49" charset="0"/>
+              </a:rPr>
+              <a:t>//Inside file my/shirt.js</a:t>
+            </a:r>
+            <a:r>
+              <a:rPr lang="en-US" sz="1800" dirty="0" smtClean="0">
+                <a:latin typeface="Consolas" panose="020B0609020204030204" pitchFamily="49" charset="0"/>
+                <a:cs typeface="Consolas" panose="020B0609020204030204" pitchFamily="49" charset="0"/>
+              </a:rPr>
+              <a:t>:</a:t>
+            </a:r>
+          </a:p>
+          <a:p>
+            <a:pPr marL="36513" indent="420688">
+              <a:buNone/>
+            </a:pPr>
+            <a:r>
+              <a:rPr lang="en-US" sz="1800" dirty="0" smtClean="0">
+                <a:latin typeface="Consolas" panose="020B0609020204030204" pitchFamily="49" charset="0"/>
+                <a:cs typeface="Consolas" panose="020B0609020204030204" pitchFamily="49" charset="0"/>
+              </a:rPr>
+              <a:t>define({</a:t>
+            </a:r>
+          </a:p>
+          <a:p>
+            <a:pPr marL="36513" indent="420688">
+              <a:buNone/>
+            </a:pPr>
+            <a:r>
+              <a:rPr lang="en-US" sz="1800" dirty="0">
+                <a:latin typeface="Consolas" panose="020B0609020204030204" pitchFamily="49" charset="0"/>
+                <a:cs typeface="Consolas" panose="020B0609020204030204" pitchFamily="49" charset="0"/>
+              </a:rPr>
+              <a:t> </a:t>
+            </a:r>
+            <a:r>
+              <a:rPr lang="en-US" sz="1800" dirty="0" smtClean="0">
+                <a:latin typeface="Consolas" panose="020B0609020204030204" pitchFamily="49" charset="0"/>
+                <a:cs typeface="Consolas" panose="020B0609020204030204" pitchFamily="49" charset="0"/>
+              </a:rPr>
+              <a:t> color</a:t>
+            </a:r>
+            <a:r>
+              <a:rPr lang="en-US" sz="1800" dirty="0">
+                <a:latin typeface="Consolas" panose="020B0609020204030204" pitchFamily="49" charset="0"/>
+                <a:cs typeface="Consolas" panose="020B0609020204030204" pitchFamily="49" charset="0"/>
+              </a:rPr>
+              <a:t>: "black</a:t>
+            </a:r>
+            <a:r>
+              <a:rPr lang="en-US" sz="1800" dirty="0" smtClean="0">
+                <a:latin typeface="Consolas" panose="020B0609020204030204" pitchFamily="49" charset="0"/>
+                <a:cs typeface="Consolas" panose="020B0609020204030204" pitchFamily="49" charset="0"/>
+              </a:rPr>
+              <a:t>",</a:t>
+            </a:r>
+          </a:p>
+          <a:p>
+            <a:pPr marL="36513" indent="420688">
+              <a:buNone/>
+            </a:pPr>
+            <a:r>
+              <a:rPr lang="en-US" sz="1800" dirty="0">
+                <a:latin typeface="Consolas" panose="020B0609020204030204" pitchFamily="49" charset="0"/>
+                <a:cs typeface="Consolas" panose="020B0609020204030204" pitchFamily="49" charset="0"/>
+              </a:rPr>
+              <a:t> </a:t>
+            </a:r>
+            <a:r>
+              <a:rPr lang="en-US" sz="1800" dirty="0" smtClean="0">
+                <a:latin typeface="Consolas" panose="020B0609020204030204" pitchFamily="49" charset="0"/>
+                <a:cs typeface="Consolas" panose="020B0609020204030204" pitchFamily="49" charset="0"/>
+              </a:rPr>
+              <a:t> </a:t>
+            </a:r>
+            <a:r>
+              <a:rPr lang="en-US" sz="1800" dirty="0">
+                <a:latin typeface="Consolas" panose="020B0609020204030204" pitchFamily="49" charset="0"/>
+                <a:cs typeface="Consolas" panose="020B0609020204030204" pitchFamily="49" charset="0"/>
+              </a:rPr>
+              <a:t>size: "</a:t>
+            </a:r>
+            <a:r>
+              <a:rPr lang="en-US" sz="1800" dirty="0" err="1" smtClean="0">
+                <a:latin typeface="Consolas" panose="020B0609020204030204" pitchFamily="49" charset="0"/>
+                <a:cs typeface="Consolas" panose="020B0609020204030204" pitchFamily="49" charset="0"/>
+              </a:rPr>
+              <a:t>unisize</a:t>
+            </a:r>
+            <a:r>
+              <a:rPr lang="en-US" sz="1800" dirty="0" smtClean="0">
+                <a:latin typeface="Consolas" panose="020B0609020204030204" pitchFamily="49" charset="0"/>
+                <a:cs typeface="Consolas" panose="020B0609020204030204" pitchFamily="49" charset="0"/>
+              </a:rPr>
+              <a:t>“</a:t>
+            </a:r>
+          </a:p>
+          <a:p>
+            <a:pPr marL="36513" indent="420688">
+              <a:buNone/>
+            </a:pPr>
+            <a:r>
+              <a:rPr lang="en-US" sz="1800" dirty="0" smtClean="0">
+                <a:latin typeface="Consolas" panose="020B0609020204030204" pitchFamily="49" charset="0"/>
+                <a:cs typeface="Consolas" panose="020B0609020204030204" pitchFamily="49" charset="0"/>
+              </a:rPr>
+              <a:t>});</a:t>
+            </a:r>
+          </a:p>
+          <a:p>
+            <a:pPr marL="36513" indent="420688">
+              <a:buNone/>
+            </a:pPr>
+            <a:endParaRPr lang="en-US" sz="1800" dirty="0">
+              <a:latin typeface="Consolas" panose="020B0609020204030204" pitchFamily="49" charset="0"/>
+              <a:cs typeface="Consolas" panose="020B0609020204030204" pitchFamily="49" charset="0"/>
+            </a:endParaRPr>
+          </a:p>
+          <a:p>
+            <a:pPr marL="36513" indent="420688">
+              <a:buNone/>
+            </a:pPr>
+            <a:r>
+              <a:rPr lang="en-US" sz="1800" dirty="0" smtClean="0">
+                <a:latin typeface="Consolas" panose="020B0609020204030204" pitchFamily="49" charset="0"/>
+                <a:cs typeface="Consolas" panose="020B0609020204030204" pitchFamily="49" charset="0"/>
+              </a:rPr>
+              <a:t>// In main.js</a:t>
+            </a:r>
+          </a:p>
+          <a:p>
+            <a:pPr marL="36513" indent="420688">
+              <a:buNone/>
+            </a:pPr>
+            <a:r>
+              <a:rPr lang="en-US" sz="1800" dirty="0" smtClean="0">
+                <a:latin typeface="Consolas" panose="020B0609020204030204" pitchFamily="49" charset="0"/>
+                <a:cs typeface="Consolas" panose="020B0609020204030204" pitchFamily="49" charset="0"/>
+              </a:rPr>
+              <a:t>require([‘my/shirt.js’],function(shirt) {</a:t>
+            </a:r>
+          </a:p>
+          <a:p>
+            <a:pPr marL="36513" indent="420688">
+              <a:buNone/>
+            </a:pPr>
+            <a:r>
+              <a:rPr lang="en-US" sz="1800" dirty="0">
+                <a:latin typeface="Consolas" panose="020B0609020204030204" pitchFamily="49" charset="0"/>
+                <a:cs typeface="Consolas" panose="020B0609020204030204" pitchFamily="49" charset="0"/>
+              </a:rPr>
+              <a:t> </a:t>
+            </a:r>
+            <a:r>
+              <a:rPr lang="en-US" sz="1800" dirty="0" smtClean="0">
+                <a:latin typeface="Consolas" panose="020B0609020204030204" pitchFamily="49" charset="0"/>
+                <a:cs typeface="Consolas" panose="020B0609020204030204" pitchFamily="49" charset="0"/>
+              </a:rPr>
+              <a:t> alert(</a:t>
+            </a:r>
+            <a:r>
+              <a:rPr lang="en-US" sz="1800" dirty="0" err="1" smtClean="0">
+                <a:latin typeface="Consolas" panose="020B0609020204030204" pitchFamily="49" charset="0"/>
+                <a:cs typeface="Consolas" panose="020B0609020204030204" pitchFamily="49" charset="0"/>
+              </a:rPr>
+              <a:t>shirt.color</a:t>
+            </a:r>
+            <a:r>
+              <a:rPr lang="en-US" sz="1800" dirty="0" smtClean="0">
+                <a:latin typeface="Consolas" panose="020B0609020204030204" pitchFamily="49" charset="0"/>
+                <a:cs typeface="Consolas" panose="020B0609020204030204" pitchFamily="49" charset="0"/>
+              </a:rPr>
+              <a:t>); // black</a:t>
+            </a:r>
+          </a:p>
+          <a:p>
+            <a:pPr marL="36513" indent="420688">
+              <a:buNone/>
+            </a:pPr>
+            <a:r>
+              <a:rPr lang="en-US" sz="1800" dirty="0" smtClean="0">
+                <a:latin typeface="Consolas" panose="020B0609020204030204" pitchFamily="49" charset="0"/>
+                <a:cs typeface="Consolas" panose="020B0609020204030204" pitchFamily="49" charset="0"/>
+              </a:rPr>
+              <a:t>});</a:t>
+            </a:r>
+            <a:endParaRPr lang="en-US" sz="1800" dirty="0">
+              <a:latin typeface="Consolas" panose="020B0609020204030204" pitchFamily="49" charset="0"/>
+              <a:cs typeface="Consolas" panose="020B0609020204030204" pitchFamily="49" charset="0"/>
+            </a:endParaRPr>
+          </a:p>
+        </p:txBody>
+      </p:sp>
+    </p:spTree>
+    <p:extLst>
+      <p:ext uri="{BB962C8B-B14F-4D97-AF65-F5344CB8AC3E}">
+        <p14:creationId xmlns:p14="http://schemas.microsoft.com/office/powerpoint/2010/main" val="4101921567"/>
+      </p:ext>
+    </p:extLst>
+  </p:cSld>
+  <p:clrMapOvr>
+    <a:masterClrMapping/>
+  </p:clrMapOvr>
+  <p:timing>
+    <p:tnLst>
+      <p:par>
+        <p:cTn id="1" dur="indefinite" restart="never" nodeType="tmRoot"/>
+      </p:par>
+    </p:tnLst>
+  </p:timing>
+</p:sld>
+</file>
+
+<file path=ppt/slides/slide16.xml><?xml version="1.0" encoding="utf-8"?>
+<p:sld xmlns:a="http://schemas.openxmlformats.org/drawingml/2006/main" xmlns:r="http://schemas.openxmlformats.org/officeDocument/2006/relationships" xmlns:p="http://schemas.openxmlformats.org/presentationml/2006/main">
+  <p:cSld>
+    <p:spTree>
+      <p:nvGrpSpPr>
+        <p:cNvPr id="1" name=""/>
+        <p:cNvGrpSpPr/>
+        <p:nvPr/>
+      </p:nvGrpSpPr>
+      <p:grpSpPr>
+        <a:xfrm>
+          <a:off x="0" y="0"/>
+          <a:ext cx="0" cy="0"/>
+          <a:chOff x="0" y="0"/>
+          <a:chExt cx="0" cy="0"/>
+        </a:xfrm>
+      </p:grpSpPr>
+      <p:sp>
+        <p:nvSpPr>
+          <p:cNvPr id="2" name="Title 1"/>
+          <p:cNvSpPr>
+            <a:spLocks noGrp="1"/>
+          </p:cNvSpPr>
+          <p:nvPr>
+            <p:ph type="title"/>
+          </p:nvPr>
+        </p:nvSpPr>
+        <p:spPr/>
+        <p:txBody>
+          <a:bodyPr/>
+          <a:lstStyle/>
+          <a:p>
+            <a:r>
+              <a:rPr lang="en-US" dirty="0" err="1" smtClean="0"/>
+              <a:t>Browserify</a:t>
+            </a:r>
+            <a:r>
+              <a:rPr lang="en-US" dirty="0" smtClean="0"/>
+              <a:t> (</a:t>
+            </a:r>
+            <a:r>
+              <a:rPr lang="en-US" dirty="0" err="1" smtClean="0"/>
+              <a:t>CommonJS</a:t>
+            </a:r>
+            <a:r>
+              <a:rPr lang="en-US" dirty="0" smtClean="0"/>
+              <a:t>)</a:t>
+            </a:r>
+            <a:endParaRPr lang="en-US" dirty="0"/>
+          </a:p>
+        </p:txBody>
+      </p:sp>
+      <p:sp>
+        <p:nvSpPr>
+          <p:cNvPr id="3" name="Content Placeholder 2"/>
+          <p:cNvSpPr>
+            <a:spLocks noGrp="1"/>
+          </p:cNvSpPr>
+          <p:nvPr>
+            <p:ph idx="1"/>
+          </p:nvPr>
+        </p:nvSpPr>
+        <p:spPr/>
+        <p:txBody>
+          <a:bodyPr>
+            <a:normAutofit fontScale="77500" lnSpcReduction="20000"/>
+          </a:bodyPr>
+          <a:lstStyle/>
+          <a:p>
+            <a:r>
+              <a:rPr lang="en-US" dirty="0"/>
+              <a:t>Browsers don't have the require method defined, but Node.js does. With </a:t>
+            </a:r>
+            <a:r>
+              <a:rPr lang="en-US" dirty="0" err="1">
+                <a:hlinkClick r:id="rId2"/>
+              </a:rPr>
+              <a:t>Browserify</a:t>
+            </a:r>
+            <a:r>
+              <a:rPr lang="en-US" dirty="0"/>
+              <a:t> you can write code that uses require in the same way that you would use it in Node</a:t>
+            </a:r>
+            <a:r>
+              <a:rPr lang="en-US" dirty="0" smtClean="0"/>
+              <a:t>.</a:t>
+            </a:r>
+          </a:p>
+          <a:p>
+            <a:r>
+              <a:rPr lang="en-US" dirty="0" smtClean="0"/>
+              <a:t>Example:</a:t>
+            </a:r>
+          </a:p>
+          <a:p>
+            <a:pPr marL="36513" indent="420688">
+              <a:buNone/>
+            </a:pPr>
+            <a:endParaRPr lang="en-US" sz="1800" dirty="0" smtClean="0">
+              <a:latin typeface="Consolas" panose="020B0609020204030204" pitchFamily="49" charset="0"/>
+              <a:cs typeface="Consolas" panose="020B0609020204030204" pitchFamily="49" charset="0"/>
+            </a:endParaRPr>
+          </a:p>
+          <a:p>
+            <a:pPr marL="36513" indent="420688">
+              <a:buNone/>
+            </a:pPr>
+            <a:r>
+              <a:rPr lang="en-US" sz="1800" dirty="0" smtClean="0">
+                <a:latin typeface="Consolas" panose="020B0609020204030204" pitchFamily="49" charset="0"/>
+                <a:cs typeface="Consolas" panose="020B0609020204030204" pitchFamily="49" charset="0"/>
+              </a:rPr>
+              <a:t>// Create a module like any node module. (e.g. hi.js)</a:t>
+            </a:r>
+          </a:p>
+          <a:p>
+            <a:pPr marL="36513" indent="420688">
+              <a:buNone/>
+            </a:pPr>
+            <a:r>
+              <a:rPr lang="en-US" sz="1800" dirty="0" err="1" smtClean="0">
+                <a:latin typeface="Consolas" panose="020B0609020204030204" pitchFamily="49" charset="0"/>
+                <a:cs typeface="Consolas" panose="020B0609020204030204" pitchFamily="49" charset="0"/>
+              </a:rPr>
+              <a:t>module.exports</a:t>
+            </a:r>
+            <a:r>
+              <a:rPr lang="en-US" sz="1800" dirty="0" smtClean="0">
+                <a:latin typeface="Consolas" panose="020B0609020204030204" pitchFamily="49" charset="0"/>
+                <a:cs typeface="Consolas" panose="020B0609020204030204" pitchFamily="49" charset="0"/>
+              </a:rPr>
+              <a:t> = function() {</a:t>
+            </a:r>
+          </a:p>
+          <a:p>
+            <a:pPr marL="36513" indent="420688">
+              <a:buNone/>
+            </a:pPr>
+            <a:r>
+              <a:rPr lang="en-US" sz="1800" dirty="0">
+                <a:latin typeface="Consolas" panose="020B0609020204030204" pitchFamily="49" charset="0"/>
+                <a:cs typeface="Consolas" panose="020B0609020204030204" pitchFamily="49" charset="0"/>
+              </a:rPr>
+              <a:t> </a:t>
+            </a:r>
+            <a:r>
+              <a:rPr lang="en-US" sz="1800" dirty="0" smtClean="0">
+                <a:latin typeface="Consolas" panose="020B0609020204030204" pitchFamily="49" charset="0"/>
+                <a:cs typeface="Consolas" panose="020B0609020204030204" pitchFamily="49" charset="0"/>
+              </a:rPr>
+              <a:t> return “Hello World!”;</a:t>
+            </a:r>
+          </a:p>
+          <a:p>
+            <a:pPr marL="36513" indent="420688">
+              <a:buNone/>
+            </a:pPr>
+            <a:r>
+              <a:rPr lang="en-US" sz="1800" dirty="0" smtClean="0">
+                <a:latin typeface="Consolas" panose="020B0609020204030204" pitchFamily="49" charset="0"/>
+                <a:cs typeface="Consolas" panose="020B0609020204030204" pitchFamily="49" charset="0"/>
+              </a:rPr>
+              <a:t>}</a:t>
+            </a:r>
+          </a:p>
+          <a:p>
+            <a:pPr marL="36513" indent="420688">
+              <a:buNone/>
+            </a:pPr>
+            <a:endParaRPr lang="en-US" sz="1800" dirty="0">
+              <a:latin typeface="Consolas" panose="020B0609020204030204" pitchFamily="49" charset="0"/>
+              <a:cs typeface="Consolas" panose="020B0609020204030204" pitchFamily="49" charset="0"/>
+            </a:endParaRPr>
+          </a:p>
+          <a:p>
+            <a:pPr marL="36513" indent="420688">
+              <a:buNone/>
+            </a:pPr>
+            <a:r>
+              <a:rPr lang="en-US" sz="1800" dirty="0" smtClean="0">
+                <a:latin typeface="Consolas" panose="020B0609020204030204" pitchFamily="49" charset="0"/>
+                <a:cs typeface="Consolas" panose="020B0609020204030204" pitchFamily="49" charset="0"/>
+              </a:rPr>
+              <a:t>// in main.js</a:t>
+            </a:r>
+          </a:p>
+          <a:p>
+            <a:pPr marL="36513" indent="420688">
+              <a:buNone/>
+            </a:pPr>
+            <a:r>
+              <a:rPr lang="en-US" sz="1800" dirty="0" err="1" smtClean="0">
+                <a:latin typeface="Consolas" panose="020B0609020204030204" pitchFamily="49" charset="0"/>
+                <a:cs typeface="Consolas" panose="020B0609020204030204" pitchFamily="49" charset="0"/>
+              </a:rPr>
+              <a:t>var</a:t>
+            </a:r>
+            <a:r>
+              <a:rPr lang="en-US" sz="1800" dirty="0" smtClean="0">
+                <a:latin typeface="Consolas" panose="020B0609020204030204" pitchFamily="49" charset="0"/>
+                <a:cs typeface="Consolas" panose="020B0609020204030204" pitchFamily="49" charset="0"/>
+              </a:rPr>
+              <a:t> hello = require(‘hi.js’);</a:t>
+            </a:r>
+          </a:p>
+          <a:p>
+            <a:pPr marL="36513" indent="420688">
+              <a:buNone/>
+            </a:pPr>
+            <a:r>
+              <a:rPr lang="en-US" sz="1800" dirty="0" smtClean="0">
+                <a:latin typeface="Consolas" panose="020B0609020204030204" pitchFamily="49" charset="0"/>
+                <a:cs typeface="Consolas" panose="020B0609020204030204" pitchFamily="49" charset="0"/>
+              </a:rPr>
+              <a:t>alert(hello()) // returns “Hello World!”</a:t>
+            </a:r>
+          </a:p>
+          <a:p>
+            <a:pPr marL="36513" indent="420688">
+              <a:buNone/>
+            </a:pPr>
+            <a:endParaRPr lang="en-US" sz="1800" dirty="0" smtClean="0">
+              <a:latin typeface="Consolas" panose="020B0609020204030204" pitchFamily="49" charset="0"/>
+              <a:cs typeface="Consolas" panose="020B0609020204030204" pitchFamily="49" charset="0"/>
+            </a:endParaRPr>
+          </a:p>
+          <a:p>
+            <a:r>
+              <a:rPr lang="en-US" dirty="0" err="1" smtClean="0"/>
+              <a:t>Browserify</a:t>
+            </a:r>
+            <a:r>
+              <a:rPr lang="en-US" dirty="0" smtClean="0"/>
+              <a:t> will create one </a:t>
+            </a:r>
+            <a:r>
+              <a:rPr lang="en-US" dirty="0" err="1" smtClean="0"/>
+              <a:t>js</a:t>
+            </a:r>
+            <a:r>
+              <a:rPr lang="en-US" dirty="0" smtClean="0"/>
+              <a:t> file for you</a:t>
+            </a:r>
+          </a:p>
+          <a:p>
+            <a:pPr lvl="1"/>
+            <a:r>
+              <a:rPr lang="en-US" sz="2100" dirty="0" err="1" smtClean="0">
+                <a:latin typeface="Consolas" panose="020B0609020204030204" pitchFamily="49" charset="0"/>
+                <a:cs typeface="Consolas" panose="020B0609020204030204" pitchFamily="49" charset="0"/>
+              </a:rPr>
+              <a:t>browserify</a:t>
+            </a:r>
+            <a:r>
+              <a:rPr lang="en-US" sz="2100" dirty="0" smtClean="0">
+                <a:latin typeface="Consolas" panose="020B0609020204030204" pitchFamily="49" charset="0"/>
+                <a:cs typeface="Consolas" panose="020B0609020204030204" pitchFamily="49" charset="0"/>
+              </a:rPr>
+              <a:t> </a:t>
+            </a:r>
+            <a:r>
+              <a:rPr lang="en-US" sz="2100" dirty="0">
+                <a:latin typeface="Consolas" panose="020B0609020204030204" pitchFamily="49" charset="0"/>
+                <a:cs typeface="Consolas" panose="020B0609020204030204" pitchFamily="49" charset="0"/>
+              </a:rPr>
+              <a:t>main.js –o bundle.js</a:t>
+            </a:r>
+          </a:p>
+          <a:p>
+            <a:pPr marL="36513" indent="420688">
+              <a:buNone/>
+            </a:pPr>
+            <a:endParaRPr lang="en-US" dirty="0">
+              <a:latin typeface="Consolas" panose="020B0609020204030204" pitchFamily="49" charset="0"/>
+              <a:cs typeface="Consolas" panose="020B0609020204030204" pitchFamily="49" charset="0"/>
+            </a:endParaRPr>
+          </a:p>
+        </p:txBody>
+      </p:sp>
+    </p:spTree>
+    <p:extLst>
+      <p:ext uri="{BB962C8B-B14F-4D97-AF65-F5344CB8AC3E}">
+        <p14:creationId xmlns:p14="http://schemas.microsoft.com/office/powerpoint/2010/main" val="3140160138"/>
+      </p:ext>
+    </p:extLst>
+  </p:cSld>
+  <p:clrMapOvr>
+    <a:masterClrMapping/>
+  </p:clrMapOvr>
+  <p:timing>
+    <p:tnLst>
+      <p:par>
+        <p:cTn id="1" dur="indefinite" restart="never" nodeType="tmRoot"/>
+      </p:par>
+    </p:tnLst>
+  </p:timing>
+</p:sld>
+</file>
+
+<file path=ppt/slides/slide17.xml><?xml version="1.0" encoding="utf-8"?>
+<p:sld xmlns:a="http://schemas.openxmlformats.org/drawingml/2006/main" xmlns:r="http://schemas.openxmlformats.org/officeDocument/2006/relationships" xmlns:p="http://schemas.openxmlformats.org/presentationml/2006/main">
+  <p:cSld>
+    <p:spTree>
+      <p:nvGrpSpPr>
+        <p:cNvPr id="1" name=""/>
+        <p:cNvGrpSpPr/>
+        <p:nvPr/>
+      </p:nvGrpSpPr>
+      <p:grpSpPr>
+        <a:xfrm>
+          <a:off x="0" y="0"/>
+          <a:ext cx="0" cy="0"/>
+          <a:chOff x="0" y="0"/>
+          <a:chExt cx="0" cy="0"/>
+        </a:xfrm>
+      </p:grpSpPr>
+      <p:sp>
+        <p:nvSpPr>
+          <p:cNvPr id="2" name="Title 1"/>
+          <p:cNvSpPr>
+            <a:spLocks noGrp="1"/>
+          </p:cNvSpPr>
+          <p:nvPr>
+            <p:ph type="title"/>
+          </p:nvPr>
+        </p:nvSpPr>
+        <p:spPr/>
+        <p:txBody>
+          <a:bodyPr/>
+          <a:lstStyle/>
+          <a:p>
+            <a:r>
               <a:rPr lang="en-US" dirty="0" err="1" smtClean="0"/>
               <a:t>Javascript</a:t>
             </a:r>
@@ -5131,7 +5908,7 @@
 </p:sld>
 </file>
 
-<file path=ppt/slides/slide15.xml><?xml version="1.0" encoding="utf-8"?>
+<file path=ppt/slides/slide18.xml><?xml version="1.0" encoding="utf-8"?>
 <p:sld xmlns:a="http://schemas.openxmlformats.org/drawingml/2006/main" xmlns:r="http://schemas.openxmlformats.org/officeDocument/2006/relationships" xmlns:p="http://schemas.openxmlformats.org/presentationml/2006/main">
   <p:cSld>
     <p:spTree>
@@ -5251,7 +6028,7 @@
 </p:sld>
 </file>
 
-<file path=ppt/slides/slide16.xml><?xml version="1.0" encoding="utf-8"?>
+<file path=ppt/slides/slide19.xml><?xml version="1.0" encoding="utf-8"?>
 <p:sld xmlns:a="http://schemas.openxmlformats.org/drawingml/2006/main" xmlns:r="http://schemas.openxmlformats.org/officeDocument/2006/relationships" xmlns:p="http://schemas.openxmlformats.org/presentationml/2006/main">
   <p:cSld>
     <p:spTree>
@@ -5381,7 +6158,6 @@
               <a:rPr lang="en-US" dirty="0" smtClean="0"/>
               <a:t> base is difficult</a:t>
             </a:r>
-            <a:endParaRPr lang="en-US" dirty="0" smtClean="0"/>
           </a:p>
         </p:txBody>
       </p:sp>
@@ -5454,7 +6230,7 @@
         <p:spPr/>
         <p:txBody>
           <a:bodyPr>
-            <a:normAutofit fontScale="92500" lnSpcReduction="10000"/>
+            <a:normAutofit fontScale="92500" lnSpcReduction="20000"/>
           </a:bodyPr>
           <a:lstStyle/>
           <a:p>
@@ -5481,6 +6257,13 @@
             <a:r>
               <a:rPr lang="en-US" dirty="0" smtClean="0"/>
               <a:t>Karma</a:t>
+            </a:r>
+          </a:p>
+          <a:p>
+            <a:pPr lvl="1"/>
+            <a:r>
+              <a:rPr lang="en-US" dirty="0" smtClean="0"/>
+              <a:t>Jest</a:t>
             </a:r>
           </a:p>
           <a:p>

--- a/Unit Testing Javascript.pptx
+++ b/Unit Testing Javascript.pptx
@@ -5,28 +5,29 @@
     <p:sldMasterId id="2147483660" r:id="rId1"/>
   </p:sldMasterIdLst>
   <p:notesMasterIdLst>
-    <p:notesMasterId r:id="rId21"/>
+    <p:notesMasterId r:id="rId22"/>
   </p:notesMasterIdLst>
   <p:sldIdLst>
     <p:sldId id="256" r:id="rId2"/>
     <p:sldId id="257" r:id="rId3"/>
-    <p:sldId id="259" r:id="rId4"/>
-    <p:sldId id="258" r:id="rId5"/>
-    <p:sldId id="260" r:id="rId6"/>
-    <p:sldId id="262" r:id="rId7"/>
-    <p:sldId id="263" r:id="rId8"/>
-    <p:sldId id="261" r:id="rId9"/>
-    <p:sldId id="264" r:id="rId10"/>
-    <p:sldId id="265" r:id="rId11"/>
-    <p:sldId id="272" r:id="rId12"/>
-    <p:sldId id="273" r:id="rId13"/>
-    <p:sldId id="274" r:id="rId14"/>
-    <p:sldId id="269" r:id="rId15"/>
-    <p:sldId id="266" r:id="rId16"/>
-    <p:sldId id="267" r:id="rId17"/>
-    <p:sldId id="268" r:id="rId18"/>
-    <p:sldId id="270" r:id="rId19"/>
-    <p:sldId id="271" r:id="rId20"/>
+    <p:sldId id="275" r:id="rId4"/>
+    <p:sldId id="259" r:id="rId5"/>
+    <p:sldId id="258" r:id="rId6"/>
+    <p:sldId id="260" r:id="rId7"/>
+    <p:sldId id="262" r:id="rId8"/>
+    <p:sldId id="263" r:id="rId9"/>
+    <p:sldId id="261" r:id="rId10"/>
+    <p:sldId id="264" r:id="rId11"/>
+    <p:sldId id="265" r:id="rId12"/>
+    <p:sldId id="272" r:id="rId13"/>
+    <p:sldId id="273" r:id="rId14"/>
+    <p:sldId id="274" r:id="rId15"/>
+    <p:sldId id="269" r:id="rId16"/>
+    <p:sldId id="268" r:id="rId17"/>
+    <p:sldId id="266" r:id="rId18"/>
+    <p:sldId id="267" r:id="rId19"/>
+    <p:sldId id="270" r:id="rId20"/>
+    <p:sldId id="271" r:id="rId21"/>
   </p:sldIdLst>
   <p:sldSz cx="9144000" cy="6858000" type="screen4x3"/>
   <p:notesSz cx="6858000" cy="9144000"/>
@@ -210,7 +211,7 @@
           <a:p>
             <a:fld id="{7A63677F-0761-4F25-B656-CECF38783FB1}" type="datetimeFigureOut">
               <a:rPr lang="en-US" smtClean="0"/>
-              <a:t>5/15/2014</a:t>
+              <a:t>5/16/2014</a:t>
             </a:fld>
             <a:endParaRPr lang="en-US"/>
           </a:p>
@@ -555,7 +556,7 @@
           <a:p>
             <a:fld id="{114E9DC9-C1A0-46BF-8D43-3BCE46D67598}" type="slidenum">
               <a:rPr lang="en-US" smtClean="0"/>
-              <a:t>19</a:t>
+              <a:t>20</a:t>
             </a:fld>
             <a:endParaRPr lang="en-US"/>
           </a:p>
@@ -958,7 +959,7 @@
           <a:p>
             <a:fld id="{C8D99C1B-9DF3-4571-8DC8-4B4600C9B0A1}" type="datetimeFigureOut">
               <a:rPr lang="en-US" smtClean="0"/>
-              <a:t>5/15/2014</a:t>
+              <a:t>5/16/2014</a:t>
             </a:fld>
             <a:endParaRPr lang="en-US"/>
           </a:p>
@@ -1123,7 +1124,7 @@
           <a:p>
             <a:fld id="{C8D99C1B-9DF3-4571-8DC8-4B4600C9B0A1}" type="datetimeFigureOut">
               <a:rPr lang="en-US" smtClean="0"/>
-              <a:t>5/15/2014</a:t>
+              <a:t>5/16/2014</a:t>
             </a:fld>
             <a:endParaRPr lang="en-US"/>
           </a:p>
@@ -1298,7 +1299,7 @@
           <a:p>
             <a:fld id="{C8D99C1B-9DF3-4571-8DC8-4B4600C9B0A1}" type="datetimeFigureOut">
               <a:rPr lang="en-US" smtClean="0"/>
-              <a:t>5/15/2014</a:t>
+              <a:t>5/16/2014</a:t>
             </a:fld>
             <a:endParaRPr lang="en-US"/>
           </a:p>
@@ -1467,7 +1468,7 @@
           <a:p>
             <a:fld id="{C8D99C1B-9DF3-4571-8DC8-4B4600C9B0A1}" type="datetimeFigureOut">
               <a:rPr lang="en-US" smtClean="0"/>
-              <a:t>5/15/2014</a:t>
+              <a:t>5/16/2014</a:t>
             </a:fld>
             <a:endParaRPr lang="en-US"/>
           </a:p>
@@ -1922,7 +1923,7 @@
           <a:p>
             <a:fld id="{C8D99C1B-9DF3-4571-8DC8-4B4600C9B0A1}" type="datetimeFigureOut">
               <a:rPr lang="en-US" smtClean="0"/>
-              <a:t>5/15/2014</a:t>
+              <a:t>5/16/2014</a:t>
             </a:fld>
             <a:endParaRPr lang="en-US"/>
           </a:p>
@@ -2186,7 +2187,7 @@
           <a:p>
             <a:fld id="{C8D99C1B-9DF3-4571-8DC8-4B4600C9B0A1}" type="datetimeFigureOut">
               <a:rPr lang="en-US" smtClean="0"/>
-              <a:t>5/15/2014</a:t>
+              <a:t>5/16/2014</a:t>
             </a:fld>
             <a:endParaRPr lang="en-US"/>
           </a:p>
@@ -2560,7 +2561,7 @@
           <a:p>
             <a:fld id="{C8D99C1B-9DF3-4571-8DC8-4B4600C9B0A1}" type="datetimeFigureOut">
               <a:rPr lang="en-US" smtClean="0"/>
-              <a:t>5/15/2014</a:t>
+              <a:t>5/16/2014</a:t>
             </a:fld>
             <a:endParaRPr lang="en-US"/>
           </a:p>
@@ -2682,7 +2683,7 @@
           <a:p>
             <a:fld id="{C8D99C1B-9DF3-4571-8DC8-4B4600C9B0A1}" type="datetimeFigureOut">
               <a:rPr lang="en-US" smtClean="0"/>
-              <a:t>5/15/2014</a:t>
+              <a:t>5/16/2014</a:t>
             </a:fld>
             <a:endParaRPr lang="en-US"/>
           </a:p>
@@ -2772,7 +2773,7 @@
           <a:p>
             <a:fld id="{C8D99C1B-9DF3-4571-8DC8-4B4600C9B0A1}" type="datetimeFigureOut">
               <a:rPr lang="en-US" smtClean="0"/>
-              <a:t>5/15/2014</a:t>
+              <a:t>5/16/2014</a:t>
             </a:fld>
             <a:endParaRPr lang="en-US"/>
           </a:p>
@@ -3021,7 +3022,7 @@
           <a:p>
             <a:fld id="{C8D99C1B-9DF3-4571-8DC8-4B4600C9B0A1}" type="datetimeFigureOut">
               <a:rPr lang="en-US" smtClean="0"/>
-              <a:t>5/15/2014</a:t>
+              <a:t>5/16/2014</a:t>
             </a:fld>
             <a:endParaRPr lang="en-US"/>
           </a:p>
@@ -3280,7 +3281,7 @@
           <a:p>
             <a:fld id="{C8D99C1B-9DF3-4571-8DC8-4B4600C9B0A1}" type="datetimeFigureOut">
               <a:rPr lang="en-US" smtClean="0"/>
-              <a:t>5/15/2014</a:t>
+              <a:t>5/16/2014</a:t>
             </a:fld>
             <a:endParaRPr lang="en-US"/>
           </a:p>
@@ -3684,7 +3685,7 @@
           <a:p>
             <a:fld id="{C8D99C1B-9DF3-4571-8DC8-4B4600C9B0A1}" type="datetimeFigureOut">
               <a:rPr lang="en-US" smtClean="0"/>
-              <a:t>5/15/2014</a:t>
+              <a:t>5/16/2014</a:t>
             </a:fld>
             <a:endParaRPr lang="en-US"/>
           </a:p>
@@ -4211,6 +4212,88 @@
           </a:p>
         </p:txBody>
       </p:sp>
+      <p:sp>
+        <p:nvSpPr>
+          <p:cNvPr id="3" name="Content Placeholder 2"/>
+          <p:cNvSpPr>
+            <a:spLocks noGrp="1"/>
+          </p:cNvSpPr>
+          <p:nvPr>
+            <p:ph idx="1"/>
+          </p:nvPr>
+        </p:nvSpPr>
+        <p:spPr/>
+        <p:txBody>
+          <a:bodyPr/>
+          <a:lstStyle/>
+          <a:p>
+            <a:r>
+              <a:rPr lang="en-US" dirty="0"/>
+              <a:t>Karma is essentially a tool which spawns a web server that executes source code against test code for each of the browsers connected. The results for each test against each browser are examined and displayed via the command line to the developer such that they can see which browsers and tests passed or failed.</a:t>
+            </a:r>
+          </a:p>
+        </p:txBody>
+      </p:sp>
+    </p:spTree>
+    <p:extLst>
+      <p:ext uri="{BB962C8B-B14F-4D97-AF65-F5344CB8AC3E}">
+        <p14:creationId xmlns:p14="http://schemas.microsoft.com/office/powerpoint/2010/main" val="210717048"/>
+      </p:ext>
+    </p:extLst>
+  </p:cSld>
+  <p:clrMapOvr>
+    <a:masterClrMapping/>
+  </p:clrMapOvr>
+  <p:timing>
+    <p:tnLst>
+      <p:par>
+        <p:cTn id="1" dur="indefinite" restart="never" nodeType="tmRoot"/>
+      </p:par>
+    </p:tnLst>
+  </p:timing>
+</p:sld>
+</file>
+
+<file path=ppt/slides/slide11.xml><?xml version="1.0" encoding="utf-8"?>
+<p:sld xmlns:a="http://schemas.openxmlformats.org/drawingml/2006/main" xmlns:r="http://schemas.openxmlformats.org/officeDocument/2006/relationships" xmlns:p="http://schemas.openxmlformats.org/presentationml/2006/main">
+  <p:cSld>
+    <p:spTree>
+      <p:nvGrpSpPr>
+        <p:cNvPr id="1" name=""/>
+        <p:cNvGrpSpPr/>
+        <p:nvPr/>
+      </p:nvGrpSpPr>
+      <p:grpSpPr>
+        <a:xfrm>
+          <a:off x="0" y="0"/>
+          <a:ext cx="0" cy="0"/>
+          <a:chOff x="0" y="0"/>
+          <a:chExt cx="0" cy="0"/>
+        </a:xfrm>
+      </p:grpSpPr>
+      <p:sp>
+        <p:nvSpPr>
+          <p:cNvPr id="2" name="Title 1"/>
+          <p:cNvSpPr>
+            <a:spLocks noGrp="1"/>
+          </p:cNvSpPr>
+          <p:nvPr>
+            <p:ph type="title"/>
+          </p:nvPr>
+        </p:nvSpPr>
+        <p:spPr/>
+        <p:txBody>
+          <a:bodyPr/>
+          <a:lstStyle/>
+          <a:p>
+            <a:r>
+              <a:rPr lang="en-US" dirty="0" smtClean="0"/>
+              <a:t>Karma</a:t>
+            </a:r>
+            <a:endParaRPr lang="en-US" dirty="0"/>
+          </a:p>
+        </p:txBody>
+      </p:sp>
       <p:pic>
         <p:nvPicPr>
           <p:cNvPr id="1026" name="Picture 2"/>
@@ -4295,7 +4378,7 @@
 </p:sld>
 </file>
 
-<file path=ppt/slides/slide11.xml><?xml version="1.0" encoding="utf-8"?>
+<file path=ppt/slides/slide12.xml><?xml version="1.0" encoding="utf-8"?>
 <p:sld xmlns:a="http://schemas.openxmlformats.org/drawingml/2006/main" xmlns:r="http://schemas.openxmlformats.org/officeDocument/2006/relationships" xmlns:p="http://schemas.openxmlformats.org/presentationml/2006/main">
   <p:cSld>
     <p:spTree>
@@ -4472,7 +4555,7 @@
 </p:sld>
 </file>
 
-<file path=ppt/slides/slide12.xml><?xml version="1.0" encoding="utf-8"?>
+<file path=ppt/slides/slide13.xml><?xml version="1.0" encoding="utf-8"?>
 <p:sld xmlns:a="http://schemas.openxmlformats.org/drawingml/2006/main" xmlns:r="http://schemas.openxmlformats.org/officeDocument/2006/relationships" xmlns:p="http://schemas.openxmlformats.org/presentationml/2006/main">
   <p:cSld>
     <p:spTree>
@@ -4926,7 +5009,7 @@
 </p:sld>
 </file>
 
-<file path=ppt/slides/slide13.xml><?xml version="1.0" encoding="utf-8"?>
+<file path=ppt/slides/slide14.xml><?xml version="1.0" encoding="utf-8"?>
 <p:sld xmlns:a="http://schemas.openxmlformats.org/drawingml/2006/main" xmlns:r="http://schemas.openxmlformats.org/officeDocument/2006/relationships" xmlns:p="http://schemas.openxmlformats.org/presentationml/2006/main">
   <p:cSld>
     <p:spTree>
@@ -5069,111 +5152,6 @@
 </p:sld>
 </file>
 
-<file path=ppt/slides/slide14.xml><?xml version="1.0" encoding="utf-8"?>
-<p:sld xmlns:a="http://schemas.openxmlformats.org/drawingml/2006/main" xmlns:r="http://schemas.openxmlformats.org/officeDocument/2006/relationships" xmlns:p="http://schemas.openxmlformats.org/presentationml/2006/main">
-  <p:cSld>
-    <p:spTree>
-      <p:nvGrpSpPr>
-        <p:cNvPr id="1" name=""/>
-        <p:cNvGrpSpPr/>
-        <p:nvPr/>
-      </p:nvGrpSpPr>
-      <p:grpSpPr>
-        <a:xfrm>
-          <a:off x="0" y="0"/>
-          <a:ext cx="0" cy="0"/>
-          <a:chOff x="0" y="0"/>
-          <a:chExt cx="0" cy="0"/>
-        </a:xfrm>
-      </p:grpSpPr>
-      <p:sp>
-        <p:nvSpPr>
-          <p:cNvPr id="2" name="Title 1"/>
-          <p:cNvSpPr>
-            <a:spLocks noGrp="1"/>
-          </p:cNvSpPr>
-          <p:nvPr>
-            <p:ph type="title"/>
-          </p:nvPr>
-        </p:nvSpPr>
-        <p:spPr/>
-        <p:txBody>
-          <a:bodyPr/>
-          <a:lstStyle/>
-          <a:p>
-            <a:r>
-              <a:rPr lang="en-US" dirty="0" smtClean="0"/>
-              <a:t>Demonstration</a:t>
-            </a:r>
-            <a:endParaRPr lang="en-US" dirty="0"/>
-          </a:p>
-        </p:txBody>
-      </p:sp>
-      <p:sp>
-        <p:nvSpPr>
-          <p:cNvPr id="3" name="Content Placeholder 2"/>
-          <p:cNvSpPr>
-            <a:spLocks noGrp="1"/>
-          </p:cNvSpPr>
-          <p:nvPr>
-            <p:ph idx="1"/>
-          </p:nvPr>
-        </p:nvSpPr>
-        <p:spPr/>
-        <p:txBody>
-          <a:bodyPr/>
-          <a:lstStyle/>
-          <a:p>
-            <a:r>
-              <a:rPr lang="en-US" dirty="0"/>
-              <a:t>Adapted from </a:t>
-            </a:r>
-            <a:r>
-              <a:rPr lang="en-US" dirty="0">
-                <a:hlinkClick r:id="rId2"/>
-              </a:rPr>
-              <a:t>http://</a:t>
-            </a:r>
-            <a:r>
-              <a:rPr lang="en-US" dirty="0" smtClean="0">
-                <a:hlinkClick r:id="rId2"/>
-              </a:rPr>
-              <a:t>osintegrators.com/testing-javascript-with-karma</a:t>
-            </a:r>
-            <a:r>
-              <a:rPr lang="en-US" dirty="0" smtClean="0"/>
-              <a:t> </a:t>
-            </a:r>
-          </a:p>
-          <a:p>
-            <a:r>
-              <a:rPr lang="en-US" dirty="0" smtClean="0"/>
-              <a:t>Code available: </a:t>
-            </a:r>
-            <a:endParaRPr lang="en-US" dirty="0"/>
-          </a:p>
-        </p:txBody>
-      </p:sp>
-    </p:spTree>
-    <p:extLst>
-      <p:ext uri="{BB962C8B-B14F-4D97-AF65-F5344CB8AC3E}">
-        <p14:creationId xmlns:p14="http://schemas.microsoft.com/office/powerpoint/2010/main" val="266166528"/>
-      </p:ext>
-    </p:extLst>
-  </p:cSld>
-  <p:clrMapOvr>
-    <a:masterClrMapping/>
-  </p:clrMapOvr>
-  <p:timing>
-    <p:tnLst>
-      <p:par>
-        <p:cTn id="1" dur="indefinite" restart="never" nodeType="tmRoot"/>
-      </p:par>
-    </p:tnLst>
-  </p:timing>
-</p:sld>
-</file>
-
 <file path=ppt/slides/slide15.xml><?xml version="1.0" encoding="utf-8"?>
 <p:sld xmlns:a="http://schemas.openxmlformats.org/drawingml/2006/main" xmlns:r="http://schemas.openxmlformats.org/officeDocument/2006/relationships" xmlns:p="http://schemas.openxmlformats.org/presentationml/2006/main">
   <p:cSld>
@@ -5207,12 +5185,8 @@
           <a:lstStyle/>
           <a:p>
             <a:r>
-              <a:rPr lang="en-US" dirty="0" err="1" smtClean="0"/>
-              <a:t>RequireJS</a:t>
-            </a:r>
-            <a:r>
-              <a:rPr lang="en-US" dirty="0" smtClean="0"/>
-              <a:t> (AMD)</a:t>
+              <a:rPr lang="en-US" dirty="0" smtClean="0"/>
+              <a:t>Demonstration</a:t>
             </a:r>
             <a:endParaRPr lang="en-US" dirty="0"/>
           </a:p>
@@ -5231,268 +5205,110 @@
         <p:spPr/>
         <p:txBody>
           <a:bodyPr>
-            <a:normAutofit fontScale="77500" lnSpcReduction="20000"/>
+            <a:normAutofit lnSpcReduction="10000"/>
           </a:bodyPr>
           <a:lstStyle/>
           <a:p>
             <a:r>
-              <a:rPr lang="en-US" dirty="0" err="1" smtClean="0">
+              <a:rPr lang="en-US" dirty="0" smtClean="0"/>
+              <a:t>Code available</a:t>
+            </a:r>
+            <a:r>
+              <a:rPr lang="en-US" dirty="0" smtClean="0"/>
+              <a:t>: </a:t>
+            </a:r>
+          </a:p>
+          <a:p>
+            <a:pPr lvl="1"/>
+            <a:r>
+              <a:rPr lang="en-US" dirty="0" smtClean="0">
                 <a:hlinkClick r:id="rId2"/>
               </a:rPr>
-              <a:t>RequireJS</a:t>
-            </a:r>
-            <a:r>
-              <a:rPr lang="en-US" dirty="0" smtClean="0"/>
-              <a:t> is </a:t>
+              <a:t>https://github.com/n3f/karma-jasmine-demo</a:t>
+            </a:r>
+            <a:r>
+              <a:rPr lang="en-US" dirty="0" smtClean="0"/>
+              <a:t> </a:t>
+            </a:r>
+          </a:p>
+          <a:p>
+            <a:pPr lvl="1"/>
+            <a:r>
+              <a:rPr lang="en-US" dirty="0" smtClean="0"/>
+              <a:t>a.k.a. </a:t>
+            </a:r>
+            <a:r>
+              <a:rPr lang="en-US" dirty="0" smtClean="0">
+                <a:hlinkClick r:id="rId3"/>
+              </a:rPr>
+              <a:t>http://git.io/pie4sA</a:t>
+            </a:r>
+            <a:endParaRPr lang="en-US" dirty="0" smtClean="0"/>
+          </a:p>
+          <a:p>
+            <a:r>
+              <a:rPr lang="en-US" dirty="0" smtClean="0"/>
+              <a:t>Master branch</a:t>
+            </a:r>
+          </a:p>
+          <a:p>
+            <a:pPr lvl="1"/>
+            <a:r>
+              <a:rPr lang="en-US" dirty="0" smtClean="0"/>
+              <a:t>Adapted </a:t>
             </a:r>
             <a:r>
               <a:rPr lang="en-US" dirty="0"/>
-              <a:t>a JavaScript file and module loader. It is optimized for in-browser use, but it can be used in other JavaScript environments, like Rhino and Node. Using a modular script loader like </a:t>
-            </a:r>
-            <a:r>
-              <a:rPr lang="en-US" dirty="0" err="1"/>
-              <a:t>RequireJS</a:t>
-            </a:r>
-            <a:r>
-              <a:rPr lang="en-US" dirty="0"/>
-              <a:t> will improve the speed and quality of your code</a:t>
-            </a:r>
-            <a:r>
-              <a:rPr lang="en-US" dirty="0" smtClean="0"/>
-              <a:t>.</a:t>
-            </a:r>
-          </a:p>
-          <a:p>
-            <a:r>
-              <a:rPr lang="en-US" dirty="0" smtClean="0"/>
-              <a:t>Example:</a:t>
-            </a:r>
-          </a:p>
-          <a:p>
-            <a:pPr marL="36513" indent="420688">
-              <a:buNone/>
-            </a:pPr>
-            <a:endParaRPr lang="en-US" sz="1800" dirty="0" smtClean="0">
-              <a:latin typeface="Consolas" panose="020B0609020204030204" pitchFamily="49" charset="0"/>
-              <a:cs typeface="Consolas" panose="020B0609020204030204" pitchFamily="49" charset="0"/>
-            </a:endParaRPr>
-          </a:p>
-          <a:p>
-            <a:pPr marL="36513" indent="420688">
-              <a:buNone/>
-            </a:pPr>
-            <a:r>
-              <a:rPr lang="en-US" sz="1800" dirty="0" smtClean="0">
-                <a:latin typeface="Consolas" panose="020B0609020204030204" pitchFamily="49" charset="0"/>
-                <a:cs typeface="Consolas" panose="020B0609020204030204" pitchFamily="49" charset="0"/>
-              </a:rPr>
-              <a:t>// define a module</a:t>
-            </a:r>
-          </a:p>
-          <a:p>
-            <a:pPr marL="36513" indent="420688">
-              <a:buNone/>
-            </a:pPr>
-            <a:r>
-              <a:rPr lang="en-US" sz="1800" dirty="0">
-                <a:latin typeface="Consolas" panose="020B0609020204030204" pitchFamily="49" charset="0"/>
-                <a:cs typeface="Consolas" panose="020B0609020204030204" pitchFamily="49" charset="0"/>
-              </a:rPr>
-              <a:t>//Inside file my/shirt.js</a:t>
-            </a:r>
-            <a:r>
-              <a:rPr lang="en-US" sz="1800" dirty="0" smtClean="0">
-                <a:latin typeface="Consolas" panose="020B0609020204030204" pitchFamily="49" charset="0"/>
-                <a:cs typeface="Consolas" panose="020B0609020204030204" pitchFamily="49" charset="0"/>
-              </a:rPr>
-              <a:t>:</a:t>
-            </a:r>
-          </a:p>
-          <a:p>
-            <a:pPr marL="36513" indent="420688">
-              <a:buNone/>
-            </a:pPr>
-            <a:r>
-              <a:rPr lang="en-US" sz="1800" dirty="0" smtClean="0">
-                <a:latin typeface="Consolas" panose="020B0609020204030204" pitchFamily="49" charset="0"/>
-                <a:cs typeface="Consolas" panose="020B0609020204030204" pitchFamily="49" charset="0"/>
-              </a:rPr>
-              <a:t>define({</a:t>
-            </a:r>
-          </a:p>
-          <a:p>
-            <a:pPr marL="36513" indent="420688">
-              <a:buNone/>
-            </a:pPr>
-            <a:r>
-              <a:rPr lang="en-US" sz="1800" dirty="0">
-                <a:latin typeface="Consolas" panose="020B0609020204030204" pitchFamily="49" charset="0"/>
-                <a:cs typeface="Consolas" panose="020B0609020204030204" pitchFamily="49" charset="0"/>
-              </a:rPr>
+              <a:t>from </a:t>
+            </a:r>
+            <a:r>
+              <a:rPr lang="en-US" dirty="0">
+                <a:hlinkClick r:id="rId4"/>
+              </a:rPr>
+              <a:t>http://</a:t>
+            </a:r>
+            <a:r>
+              <a:rPr lang="en-US" dirty="0" smtClean="0">
+                <a:hlinkClick r:id="rId4"/>
+              </a:rPr>
+              <a:t>osintegrators.com/testing-javascript-with-karma</a:t>
+            </a:r>
+            <a:r>
+              <a:rPr lang="en-US" dirty="0" smtClean="0"/>
               <a:t> </a:t>
             </a:r>
-            <a:r>
-              <a:rPr lang="en-US" sz="1800" dirty="0" smtClean="0">
-                <a:latin typeface="Consolas" panose="020B0609020204030204" pitchFamily="49" charset="0"/>
-                <a:cs typeface="Consolas" panose="020B0609020204030204" pitchFamily="49" charset="0"/>
-              </a:rPr>
-              <a:t> color</a:t>
-            </a:r>
-            <a:r>
-              <a:rPr lang="en-US" sz="1800" dirty="0">
-                <a:latin typeface="Consolas" panose="020B0609020204030204" pitchFamily="49" charset="0"/>
-                <a:cs typeface="Consolas" panose="020B0609020204030204" pitchFamily="49" charset="0"/>
-              </a:rPr>
-              <a:t>: "black</a:t>
-            </a:r>
-            <a:r>
-              <a:rPr lang="en-US" sz="1800" dirty="0" smtClean="0">
-                <a:latin typeface="Consolas" panose="020B0609020204030204" pitchFamily="49" charset="0"/>
-                <a:cs typeface="Consolas" panose="020B0609020204030204" pitchFamily="49" charset="0"/>
-              </a:rPr>
-              <a:t>",</a:t>
-            </a:r>
-          </a:p>
-          <a:p>
-            <a:pPr marL="36513" indent="420688">
-              <a:buNone/>
-            </a:pPr>
-            <a:r>
-              <a:rPr lang="en-US" sz="1800" dirty="0">
-                <a:latin typeface="Consolas" panose="020B0609020204030204" pitchFamily="49" charset="0"/>
-                <a:cs typeface="Consolas" panose="020B0609020204030204" pitchFamily="49" charset="0"/>
-              </a:rPr>
-              <a:t> </a:t>
-            </a:r>
-            <a:r>
-              <a:rPr lang="en-US" sz="1800" dirty="0" smtClean="0">
-                <a:latin typeface="Consolas" panose="020B0609020204030204" pitchFamily="49" charset="0"/>
-                <a:cs typeface="Consolas" panose="020B0609020204030204" pitchFamily="49" charset="0"/>
-              </a:rPr>
-              <a:t> </a:t>
-            </a:r>
-            <a:r>
-              <a:rPr lang="en-US" sz="1800" dirty="0">
-                <a:latin typeface="Consolas" panose="020B0609020204030204" pitchFamily="49" charset="0"/>
-                <a:cs typeface="Consolas" panose="020B0609020204030204" pitchFamily="49" charset="0"/>
-              </a:rPr>
-              <a:t>size: "</a:t>
-            </a:r>
-            <a:r>
-              <a:rPr lang="en-US" sz="1800" dirty="0" err="1" smtClean="0">
-                <a:latin typeface="Consolas" panose="020B0609020204030204" pitchFamily="49" charset="0"/>
-                <a:cs typeface="Consolas" panose="020B0609020204030204" pitchFamily="49" charset="0"/>
-              </a:rPr>
-              <a:t>unisize</a:t>
-            </a:r>
-            <a:r>
-              <a:rPr lang="en-US" sz="1800" dirty="0" smtClean="0">
-                <a:latin typeface="Consolas" panose="020B0609020204030204" pitchFamily="49" charset="0"/>
-                <a:cs typeface="Consolas" panose="020B0609020204030204" pitchFamily="49" charset="0"/>
-              </a:rPr>
-              <a:t>“</a:t>
-            </a:r>
-          </a:p>
-          <a:p>
-            <a:pPr marL="36513" indent="420688">
-              <a:buNone/>
-            </a:pPr>
-            <a:r>
-              <a:rPr lang="en-US" sz="1800" dirty="0" smtClean="0">
-                <a:latin typeface="Consolas" panose="020B0609020204030204" pitchFamily="49" charset="0"/>
-                <a:cs typeface="Consolas" panose="020B0609020204030204" pitchFamily="49" charset="0"/>
-              </a:rPr>
-              <a:t>});</a:t>
-            </a:r>
-          </a:p>
-          <a:p>
-            <a:pPr marL="36513" indent="420688">
-              <a:buNone/>
-            </a:pPr>
-            <a:endParaRPr lang="en-US" sz="1800" dirty="0">
-              <a:latin typeface="Consolas" panose="020B0609020204030204" pitchFamily="49" charset="0"/>
-              <a:cs typeface="Consolas" panose="020B0609020204030204" pitchFamily="49" charset="0"/>
-            </a:endParaRPr>
-          </a:p>
-          <a:p>
-            <a:pPr marL="36513" indent="420688">
-              <a:buNone/>
-            </a:pPr>
-            <a:r>
-              <a:rPr lang="en-US" sz="1800" dirty="0" smtClean="0">
-                <a:latin typeface="Consolas" panose="020B0609020204030204" pitchFamily="49" charset="0"/>
-                <a:cs typeface="Consolas" panose="020B0609020204030204" pitchFamily="49" charset="0"/>
-              </a:rPr>
-              <a:t>// In main.js</a:t>
-            </a:r>
-          </a:p>
-          <a:p>
-            <a:pPr marL="36513" indent="420688">
-              <a:buNone/>
-            </a:pPr>
-            <a:r>
-              <a:rPr lang="en-US" sz="1800" dirty="0" smtClean="0">
-                <a:latin typeface="Consolas" panose="020B0609020204030204" pitchFamily="49" charset="0"/>
-                <a:cs typeface="Consolas" panose="020B0609020204030204" pitchFamily="49" charset="0"/>
-              </a:rPr>
-              <a:t>require([‘my/shirt.js’],function(shirt) {</a:t>
-            </a:r>
-          </a:p>
-          <a:p>
-            <a:pPr marL="36513" indent="420688">
-              <a:buNone/>
-            </a:pPr>
-            <a:r>
-              <a:rPr lang="en-US" sz="1800" dirty="0">
-                <a:latin typeface="Consolas" panose="020B0609020204030204" pitchFamily="49" charset="0"/>
-                <a:cs typeface="Consolas" panose="020B0609020204030204" pitchFamily="49" charset="0"/>
-              </a:rPr>
-              <a:t> </a:t>
-            </a:r>
-            <a:r>
-              <a:rPr lang="en-US" sz="1800" dirty="0" smtClean="0">
-                <a:latin typeface="Consolas" panose="020B0609020204030204" pitchFamily="49" charset="0"/>
-                <a:cs typeface="Consolas" panose="020B0609020204030204" pitchFamily="49" charset="0"/>
-              </a:rPr>
-              <a:t> alert(</a:t>
-            </a:r>
-            <a:r>
-              <a:rPr lang="en-US" sz="1800" dirty="0" err="1" smtClean="0">
-                <a:latin typeface="Consolas" panose="020B0609020204030204" pitchFamily="49" charset="0"/>
-                <a:cs typeface="Consolas" panose="020B0609020204030204" pitchFamily="49" charset="0"/>
-              </a:rPr>
-              <a:t>shirt.color</a:t>
-            </a:r>
-            <a:r>
-              <a:rPr lang="en-US" sz="1800" dirty="0" smtClean="0">
-                <a:latin typeface="Consolas" panose="020B0609020204030204" pitchFamily="49" charset="0"/>
-                <a:cs typeface="Consolas" panose="020B0609020204030204" pitchFamily="49" charset="0"/>
-              </a:rPr>
-              <a:t>); // black</a:t>
-            </a:r>
-          </a:p>
-          <a:p>
-            <a:pPr marL="36513" indent="420688">
-              <a:buNone/>
-            </a:pPr>
-            <a:r>
-              <a:rPr lang="en-US" sz="1800" dirty="0" smtClean="0">
-                <a:latin typeface="Consolas" panose="020B0609020204030204" pitchFamily="49" charset="0"/>
-                <a:cs typeface="Consolas" panose="020B0609020204030204" pitchFamily="49" charset="0"/>
-              </a:rPr>
-              <a:t>});</a:t>
-            </a:r>
-            <a:endParaRPr lang="en-US" sz="1800" dirty="0">
-              <a:latin typeface="Consolas" panose="020B0609020204030204" pitchFamily="49" charset="0"/>
-              <a:cs typeface="Consolas" panose="020B0609020204030204" pitchFamily="49" charset="0"/>
-            </a:endParaRPr>
+            <a:endParaRPr lang="en-US" dirty="0" smtClean="0"/>
+          </a:p>
+          <a:p>
+            <a:pPr lvl="1"/>
+            <a:r>
+              <a:rPr lang="en-US" dirty="0" smtClean="0"/>
+              <a:t>Backbone based web application structure</a:t>
+            </a:r>
+          </a:p>
+          <a:p>
+            <a:r>
+              <a:rPr lang="en-US" dirty="0" smtClean="0"/>
+              <a:t>Jest branch</a:t>
+            </a:r>
+          </a:p>
+          <a:p>
+            <a:pPr lvl="1"/>
+            <a:r>
+              <a:rPr lang="en-US" dirty="0" smtClean="0"/>
+              <a:t>From the jest documentation</a:t>
+            </a:r>
+            <a:endParaRPr lang="en-US" dirty="0" smtClean="0"/>
+          </a:p>
+          <a:p>
+            <a:endParaRPr lang="en-US" dirty="0"/>
           </a:p>
         </p:txBody>
       </p:sp>
     </p:spTree>
     <p:extLst>
       <p:ext uri="{BB962C8B-B14F-4D97-AF65-F5344CB8AC3E}">
-        <p14:creationId xmlns:p14="http://schemas.microsoft.com/office/powerpoint/2010/main" val="4101921567"/>
+        <p14:creationId xmlns:p14="http://schemas.microsoft.com/office/powerpoint/2010/main" val="266166528"/>
       </p:ext>
     </p:extLst>
   </p:cSld>
@@ -5543,255 +5359,77 @@
           <a:p>
             <a:r>
               <a:rPr lang="en-US" dirty="0" err="1" smtClean="0"/>
-              <a:t>Browserify</a:t>
-            </a:r>
-            <a:r>
-              <a:rPr lang="en-US" dirty="0" smtClean="0"/>
-              <a:t> (</a:t>
-            </a:r>
+              <a:t>Javascript</a:t>
+            </a:r>
+            <a:r>
+              <a:rPr lang="en-US" dirty="0" smtClean="0"/>
+              <a:t> Loaders</a:t>
+            </a:r>
+            <a:endParaRPr lang="en-US" dirty="0"/>
+          </a:p>
+        </p:txBody>
+      </p:sp>
+      <p:sp>
+        <p:nvSpPr>
+          <p:cNvPr id="3" name="Content Placeholder 2"/>
+          <p:cNvSpPr>
+            <a:spLocks noGrp="1"/>
+          </p:cNvSpPr>
+          <p:nvPr>
+            <p:ph idx="1"/>
+          </p:nvPr>
+        </p:nvSpPr>
+        <p:spPr>
+          <a:xfrm>
+            <a:off x="457200" y="1600200"/>
+            <a:ext cx="7696200" cy="4525963"/>
+          </a:xfrm>
+        </p:spPr>
+        <p:txBody>
+          <a:bodyPr/>
+          <a:lstStyle/>
+          <a:p>
+            <a:r>
+              <a:rPr lang="en-US" dirty="0" err="1" smtClean="0"/>
+              <a:t>RequireJS</a:t>
+            </a:r>
+            <a:r>
+              <a:rPr lang="en-US" dirty="0"/>
+              <a:t> </a:t>
+            </a:r>
+            <a:r>
+              <a:rPr lang="en-US" dirty="0" smtClean="0"/>
+              <a:t>(AMD)</a:t>
+            </a:r>
+          </a:p>
+          <a:p>
             <a:r>
               <a:rPr lang="en-US" dirty="0" err="1" smtClean="0"/>
               <a:t>CommonJS</a:t>
             </a:r>
-            <a:r>
-              <a:rPr lang="en-US" dirty="0" smtClean="0"/>
-              <a:t>)</a:t>
-            </a:r>
-            <a:endParaRPr lang="en-US" dirty="0"/>
-          </a:p>
-        </p:txBody>
-      </p:sp>
-      <p:sp>
-        <p:nvSpPr>
-          <p:cNvPr id="3" name="Content Placeholder 2"/>
-          <p:cNvSpPr>
-            <a:spLocks noGrp="1"/>
-          </p:cNvSpPr>
-          <p:nvPr>
-            <p:ph idx="1"/>
-          </p:nvPr>
-        </p:nvSpPr>
-        <p:spPr/>
-        <p:txBody>
-          <a:bodyPr>
-            <a:normAutofit fontScale="77500" lnSpcReduction="20000"/>
-          </a:bodyPr>
-          <a:lstStyle/>
-          <a:p>
-            <a:r>
-              <a:rPr lang="en-US" dirty="0"/>
-              <a:t>Browsers don't have the require method defined, but Node.js does. With </a:t>
-            </a:r>
-            <a:r>
-              <a:rPr lang="en-US" dirty="0" err="1">
+          </a:p>
+          <a:p>
+            <a:r>
+              <a:rPr lang="en-US" dirty="0" smtClean="0"/>
+              <a:t>For more information</a:t>
+            </a:r>
+          </a:p>
+          <a:p>
+            <a:pPr lvl="1"/>
+            <a:r>
+              <a:rPr lang="en-US" dirty="0" smtClean="0">
                 <a:hlinkClick r:id="rId2"/>
               </a:rPr>
-              <a:t>Browserify</a:t>
-            </a:r>
-            <a:r>
-              <a:rPr lang="en-US" dirty="0"/>
-              <a:t> you can write code that uses require in the same way that you would use it in Node</a:t>
-            </a:r>
-            <a:r>
-              <a:rPr lang="en-US" dirty="0" smtClean="0"/>
-              <a:t>.</a:t>
-            </a:r>
-          </a:p>
-          <a:p>
-            <a:r>
-              <a:rPr lang="en-US" dirty="0" smtClean="0"/>
-              <a:t>Example:</a:t>
-            </a:r>
-          </a:p>
-          <a:p>
-            <a:pPr marL="36513" indent="420688">
-              <a:buNone/>
-            </a:pPr>
-            <a:endParaRPr lang="en-US" sz="1800" dirty="0" smtClean="0">
-              <a:latin typeface="Consolas" panose="020B0609020204030204" pitchFamily="49" charset="0"/>
-              <a:cs typeface="Consolas" panose="020B0609020204030204" pitchFamily="49" charset="0"/>
-            </a:endParaRPr>
-          </a:p>
-          <a:p>
-            <a:pPr marL="36513" indent="420688">
-              <a:buNone/>
-            </a:pPr>
-            <a:r>
-              <a:rPr lang="en-US" sz="1800" dirty="0" smtClean="0">
-                <a:latin typeface="Consolas" panose="020B0609020204030204" pitchFamily="49" charset="0"/>
-                <a:cs typeface="Consolas" panose="020B0609020204030204" pitchFamily="49" charset="0"/>
-              </a:rPr>
-              <a:t>// Create a module like any node module. (e.g. hi.js)</a:t>
-            </a:r>
-          </a:p>
-          <a:p>
-            <a:pPr marL="36513" indent="420688">
-              <a:buNone/>
-            </a:pPr>
-            <a:r>
-              <a:rPr lang="en-US" sz="1800" dirty="0" err="1" smtClean="0">
-                <a:latin typeface="Consolas" panose="020B0609020204030204" pitchFamily="49" charset="0"/>
-                <a:cs typeface="Consolas" panose="020B0609020204030204" pitchFamily="49" charset="0"/>
-              </a:rPr>
-              <a:t>module.exports</a:t>
-            </a:r>
-            <a:r>
-              <a:rPr lang="en-US" sz="1800" dirty="0" smtClean="0">
-                <a:latin typeface="Consolas" panose="020B0609020204030204" pitchFamily="49" charset="0"/>
-                <a:cs typeface="Consolas" panose="020B0609020204030204" pitchFamily="49" charset="0"/>
-              </a:rPr>
-              <a:t> = function() {</a:t>
-            </a:r>
-          </a:p>
-          <a:p>
-            <a:pPr marL="36513" indent="420688">
-              <a:buNone/>
-            </a:pPr>
-            <a:r>
-              <a:rPr lang="en-US" sz="1800" dirty="0">
-                <a:latin typeface="Consolas" panose="020B0609020204030204" pitchFamily="49" charset="0"/>
-                <a:cs typeface="Consolas" panose="020B0609020204030204" pitchFamily="49" charset="0"/>
-              </a:rPr>
-              <a:t> </a:t>
-            </a:r>
-            <a:r>
-              <a:rPr lang="en-US" sz="1800" dirty="0" smtClean="0">
-                <a:latin typeface="Consolas" panose="020B0609020204030204" pitchFamily="49" charset="0"/>
-                <a:cs typeface="Consolas" panose="020B0609020204030204" pitchFamily="49" charset="0"/>
-              </a:rPr>
-              <a:t> return “Hello World!”;</a:t>
-            </a:r>
-          </a:p>
-          <a:p>
-            <a:pPr marL="36513" indent="420688">
-              <a:buNone/>
-            </a:pPr>
-            <a:r>
-              <a:rPr lang="en-US" sz="1800" dirty="0" smtClean="0">
-                <a:latin typeface="Consolas" panose="020B0609020204030204" pitchFamily="49" charset="0"/>
-                <a:cs typeface="Consolas" panose="020B0609020204030204" pitchFamily="49" charset="0"/>
-              </a:rPr>
-              <a:t>}</a:t>
-            </a:r>
-          </a:p>
-          <a:p>
-            <a:pPr marL="36513" indent="420688">
-              <a:buNone/>
-            </a:pPr>
-            <a:endParaRPr lang="en-US" sz="1800" dirty="0">
-              <a:latin typeface="Consolas" panose="020B0609020204030204" pitchFamily="49" charset="0"/>
-              <a:cs typeface="Consolas" panose="020B0609020204030204" pitchFamily="49" charset="0"/>
-            </a:endParaRPr>
-          </a:p>
-          <a:p>
-            <a:pPr marL="36513" indent="420688">
-              <a:buNone/>
-            </a:pPr>
-            <a:r>
-              <a:rPr lang="en-US" sz="1800" dirty="0" smtClean="0">
-                <a:latin typeface="Consolas" panose="020B0609020204030204" pitchFamily="49" charset="0"/>
-                <a:cs typeface="Consolas" panose="020B0609020204030204" pitchFamily="49" charset="0"/>
-              </a:rPr>
-              <a:t>// in main.js</a:t>
-            </a:r>
-          </a:p>
-          <a:p>
-            <a:pPr marL="36513" indent="420688">
-              <a:buNone/>
-            </a:pPr>
-            <a:r>
-              <a:rPr lang="en-US" sz="1800" dirty="0" err="1" smtClean="0">
-                <a:latin typeface="Consolas" panose="020B0609020204030204" pitchFamily="49" charset="0"/>
-                <a:cs typeface="Consolas" panose="020B0609020204030204" pitchFamily="49" charset="0"/>
-              </a:rPr>
-              <a:t>var</a:t>
-            </a:r>
-            <a:r>
-              <a:rPr lang="en-US" sz="1800" dirty="0" smtClean="0">
-                <a:latin typeface="Consolas" panose="020B0609020204030204" pitchFamily="49" charset="0"/>
-                <a:cs typeface="Consolas" panose="020B0609020204030204" pitchFamily="49" charset="0"/>
-              </a:rPr>
-              <a:t> hello = require(‘hi.js’);</a:t>
-            </a:r>
-          </a:p>
-          <a:p>
-            <a:pPr marL="36513" indent="420688">
-              <a:buNone/>
-            </a:pPr>
-            <a:r>
-              <a:rPr lang="en-US" sz="1800" dirty="0" smtClean="0">
-                <a:latin typeface="Consolas" panose="020B0609020204030204" pitchFamily="49" charset="0"/>
-                <a:cs typeface="Consolas" panose="020B0609020204030204" pitchFamily="49" charset="0"/>
-              </a:rPr>
-              <a:t>alert(hello()) // returns “Hello World!”</a:t>
-            </a:r>
-          </a:p>
-          <a:p>
-            <a:pPr marL="36513" indent="420688">
-              <a:buNone/>
-            </a:pPr>
-            <a:endParaRPr lang="en-US" sz="1800" dirty="0" smtClean="0">
-              <a:latin typeface="Consolas" panose="020B0609020204030204" pitchFamily="49" charset="0"/>
-              <a:cs typeface="Consolas" panose="020B0609020204030204" pitchFamily="49" charset="0"/>
-            </a:endParaRPr>
-          </a:p>
-          <a:p>
-            <a:r>
-              <a:rPr lang="en-US" dirty="0" err="1" smtClean="0"/>
-              <a:t>Browserify</a:t>
-            </a:r>
-            <a:r>
-              <a:rPr lang="en-US" dirty="0" smtClean="0"/>
-              <a:t> will create one </a:t>
-            </a:r>
-            <a:r>
-              <a:rPr lang="en-US" dirty="0" err="1" smtClean="0"/>
-              <a:t>js</a:t>
-            </a:r>
-            <a:r>
-              <a:rPr lang="en-US" dirty="0" smtClean="0"/>
-              <a:t> file for you</a:t>
-            </a:r>
-          </a:p>
-          <a:p>
-            <a:pPr lvl="1"/>
-            <a:r>
-              <a:rPr lang="en-US" sz="2100" dirty="0" err="1" smtClean="0">
-                <a:latin typeface="Consolas" panose="020B0609020204030204" pitchFamily="49" charset="0"/>
-                <a:cs typeface="Consolas" panose="020B0609020204030204" pitchFamily="49" charset="0"/>
-              </a:rPr>
-              <a:t>browserify</a:t>
-            </a:r>
-            <a:r>
-              <a:rPr lang="en-US" sz="2100" dirty="0" smtClean="0">
-                <a:latin typeface="Consolas" panose="020B0609020204030204" pitchFamily="49" charset="0"/>
-                <a:cs typeface="Consolas" panose="020B0609020204030204" pitchFamily="49" charset="0"/>
-              </a:rPr>
-              <a:t> </a:t>
-            </a:r>
-            <a:r>
-              <a:rPr lang="en-US" sz="2100" dirty="0">
-                <a:latin typeface="Consolas" panose="020B0609020204030204" pitchFamily="49" charset="0"/>
-                <a:cs typeface="Consolas" panose="020B0609020204030204" pitchFamily="49" charset="0"/>
-              </a:rPr>
-              <a:t>main.js –o bundle.js</a:t>
-            </a:r>
-          </a:p>
-          <a:p>
-            <a:pPr marL="36513" indent="420688">
-              <a:buNone/>
-            </a:pPr>
-            <a:endParaRPr lang="en-US" dirty="0">
-              <a:latin typeface="Consolas" panose="020B0609020204030204" pitchFamily="49" charset="0"/>
-              <a:cs typeface="Consolas" panose="020B0609020204030204" pitchFamily="49" charset="0"/>
-            </a:endParaRPr>
+              <a:t>http://addyosmani.com/writing-modular-js/</a:t>
+            </a:r>
+            <a:endParaRPr lang="en-US" dirty="0" smtClean="0"/>
           </a:p>
         </p:txBody>
       </p:sp>
     </p:spTree>
     <p:extLst>
       <p:ext uri="{BB962C8B-B14F-4D97-AF65-F5344CB8AC3E}">
-        <p14:creationId xmlns:p14="http://schemas.microsoft.com/office/powerpoint/2010/main" val="3140160138"/>
+        <p14:creationId xmlns:p14="http://schemas.microsoft.com/office/powerpoint/2010/main" val="4591955"/>
       </p:ext>
     </p:extLst>
   </p:cSld>
@@ -5842,11 +5480,11 @@
           <a:p>
             <a:r>
               <a:rPr lang="en-US" dirty="0" err="1" smtClean="0"/>
-              <a:t>Javascript</a:t>
-            </a:r>
-            <a:r>
-              <a:rPr lang="en-US" dirty="0" smtClean="0"/>
-              <a:t> Loaders</a:t>
+              <a:t>RequireJS</a:t>
+            </a:r>
+            <a:r>
+              <a:rPr lang="en-US" dirty="0" smtClean="0"/>
+              <a:t> (AMD)</a:t>
             </a:r>
             <a:endParaRPr lang="en-US" dirty="0"/>
           </a:p>
@@ -5862,36 +5500,271 @@
             <p:ph idx="1"/>
           </p:nvPr>
         </p:nvSpPr>
-        <p:spPr>
-          <a:xfrm>
-            <a:off x="457200" y="1600200"/>
-            <a:ext cx="7696200" cy="4525963"/>
-          </a:xfrm>
-        </p:spPr>
-        <p:txBody>
-          <a:bodyPr/>
-          <a:lstStyle/>
-          <a:p>
-            <a:r>
-              <a:rPr lang="en-US" dirty="0" smtClean="0"/>
-              <a:t>For more information</a:t>
-            </a:r>
-          </a:p>
-          <a:p>
-            <a:r>
-              <a:rPr lang="en-US" dirty="0">
+        <p:spPr/>
+        <p:txBody>
+          <a:bodyPr>
+            <a:normAutofit fontScale="77500" lnSpcReduction="20000"/>
+          </a:bodyPr>
+          <a:lstStyle/>
+          <a:p>
+            <a:r>
+              <a:rPr lang="en-US" dirty="0" err="1" smtClean="0">
                 <a:hlinkClick r:id="rId2"/>
               </a:rPr>
-              <a:t>http://addyosmani.com/writing-modular-js/</a:t>
-            </a:r>
-            <a:endParaRPr lang="en-US" dirty="0"/>
+              <a:t>RequireJS</a:t>
+            </a:r>
+            <a:r>
+              <a:rPr lang="en-US" dirty="0" smtClean="0"/>
+              <a:t> is </a:t>
+            </a:r>
+            <a:r>
+              <a:rPr lang="en-US" dirty="0"/>
+              <a:t>a JavaScript file and module loader. It is optimized for in-browser use, but it can be used in other JavaScript environments, like Rhino and Node. Using a modular script loader like </a:t>
+            </a:r>
+            <a:r>
+              <a:rPr lang="en-US" dirty="0" err="1"/>
+              <a:t>RequireJS</a:t>
+            </a:r>
+            <a:r>
+              <a:rPr lang="en-US" dirty="0"/>
+              <a:t> will improve the speed and quality of your code</a:t>
+            </a:r>
+            <a:r>
+              <a:rPr lang="en-US" dirty="0" smtClean="0"/>
+              <a:t>.</a:t>
+            </a:r>
+          </a:p>
+          <a:p>
+            <a:r>
+              <a:rPr lang="en-US" dirty="0" smtClean="0"/>
+              <a:t>Example:</a:t>
+            </a:r>
+          </a:p>
+          <a:p>
+            <a:pPr marL="36513" indent="420688">
+              <a:buNone/>
+            </a:pPr>
+            <a:endParaRPr lang="en-US" sz="1800" dirty="0" smtClean="0">
+              <a:latin typeface="Consolas" panose="020B0609020204030204" pitchFamily="49" charset="0"/>
+              <a:cs typeface="Consolas" panose="020B0609020204030204" pitchFamily="49" charset="0"/>
+            </a:endParaRPr>
+          </a:p>
+          <a:p>
+            <a:pPr marL="36513" indent="420688">
+              <a:buNone/>
+            </a:pPr>
+            <a:r>
+              <a:rPr lang="en-US" sz="1800" dirty="0" smtClean="0">
+                <a:latin typeface="Consolas" panose="020B0609020204030204" pitchFamily="49" charset="0"/>
+                <a:cs typeface="Consolas" panose="020B0609020204030204" pitchFamily="49" charset="0"/>
+              </a:rPr>
+              <a:t>// define a module</a:t>
+            </a:r>
+          </a:p>
+          <a:p>
+            <a:pPr marL="36513" indent="420688">
+              <a:buNone/>
+            </a:pPr>
+            <a:r>
+              <a:rPr lang="en-US" sz="1800" dirty="0">
+                <a:latin typeface="Consolas" panose="020B0609020204030204" pitchFamily="49" charset="0"/>
+                <a:cs typeface="Consolas" panose="020B0609020204030204" pitchFamily="49" charset="0"/>
+              </a:rPr>
+              <a:t>//Inside file my/shirt.js</a:t>
+            </a:r>
+            <a:r>
+              <a:rPr lang="en-US" sz="1800" dirty="0" smtClean="0">
+                <a:latin typeface="Consolas" panose="020B0609020204030204" pitchFamily="49" charset="0"/>
+                <a:cs typeface="Consolas" panose="020B0609020204030204" pitchFamily="49" charset="0"/>
+              </a:rPr>
+              <a:t>:</a:t>
+            </a:r>
+          </a:p>
+          <a:p>
+            <a:pPr marL="36513" indent="420688">
+              <a:buNone/>
+            </a:pPr>
+            <a:r>
+              <a:rPr lang="en-US" sz="1800" dirty="0" smtClean="0">
+                <a:latin typeface="Consolas" panose="020B0609020204030204" pitchFamily="49" charset="0"/>
+                <a:cs typeface="Consolas" panose="020B0609020204030204" pitchFamily="49" charset="0"/>
+              </a:rPr>
+              <a:t>define({</a:t>
+            </a:r>
+          </a:p>
+          <a:p>
+            <a:pPr marL="36513" indent="420688">
+              <a:buNone/>
+            </a:pPr>
+            <a:r>
+              <a:rPr lang="en-US" sz="1800" dirty="0">
+                <a:latin typeface="Consolas" panose="020B0609020204030204" pitchFamily="49" charset="0"/>
+                <a:cs typeface="Consolas" panose="020B0609020204030204" pitchFamily="49" charset="0"/>
+              </a:rPr>
+              <a:t> </a:t>
+            </a:r>
+            <a:r>
+              <a:rPr lang="en-US" sz="1800" dirty="0" smtClean="0">
+                <a:latin typeface="Consolas" panose="020B0609020204030204" pitchFamily="49" charset="0"/>
+                <a:cs typeface="Consolas" panose="020B0609020204030204" pitchFamily="49" charset="0"/>
+              </a:rPr>
+              <a:t> color</a:t>
+            </a:r>
+            <a:r>
+              <a:rPr lang="en-US" sz="1800" dirty="0">
+                <a:latin typeface="Consolas" panose="020B0609020204030204" pitchFamily="49" charset="0"/>
+                <a:cs typeface="Consolas" panose="020B0609020204030204" pitchFamily="49" charset="0"/>
+              </a:rPr>
+              <a:t>: "black</a:t>
+            </a:r>
+            <a:r>
+              <a:rPr lang="en-US" sz="1800" dirty="0" smtClean="0">
+                <a:latin typeface="Consolas" panose="020B0609020204030204" pitchFamily="49" charset="0"/>
+                <a:cs typeface="Consolas" panose="020B0609020204030204" pitchFamily="49" charset="0"/>
+              </a:rPr>
+              <a:t>",</a:t>
+            </a:r>
+          </a:p>
+          <a:p>
+            <a:pPr marL="36513" indent="420688">
+              <a:buNone/>
+            </a:pPr>
+            <a:r>
+              <a:rPr lang="en-US" sz="1800" dirty="0">
+                <a:latin typeface="Consolas" panose="020B0609020204030204" pitchFamily="49" charset="0"/>
+                <a:cs typeface="Consolas" panose="020B0609020204030204" pitchFamily="49" charset="0"/>
+              </a:rPr>
+              <a:t> </a:t>
+            </a:r>
+            <a:r>
+              <a:rPr lang="en-US" sz="1800" dirty="0" smtClean="0">
+                <a:latin typeface="Consolas" panose="020B0609020204030204" pitchFamily="49" charset="0"/>
+                <a:cs typeface="Consolas" panose="020B0609020204030204" pitchFamily="49" charset="0"/>
+              </a:rPr>
+              <a:t> </a:t>
+            </a:r>
+            <a:r>
+              <a:rPr lang="en-US" sz="1800" dirty="0">
+                <a:latin typeface="Consolas" panose="020B0609020204030204" pitchFamily="49" charset="0"/>
+                <a:cs typeface="Consolas" panose="020B0609020204030204" pitchFamily="49" charset="0"/>
+              </a:rPr>
+              <a:t>size: "</a:t>
+            </a:r>
+            <a:r>
+              <a:rPr lang="en-US" sz="1800" dirty="0" err="1" smtClean="0">
+                <a:latin typeface="Consolas" panose="020B0609020204030204" pitchFamily="49" charset="0"/>
+                <a:cs typeface="Consolas" panose="020B0609020204030204" pitchFamily="49" charset="0"/>
+              </a:rPr>
+              <a:t>unisize</a:t>
+            </a:r>
+            <a:r>
+              <a:rPr lang="en-US" sz="1800" dirty="0" smtClean="0">
+                <a:latin typeface="Consolas" panose="020B0609020204030204" pitchFamily="49" charset="0"/>
+                <a:cs typeface="Consolas" panose="020B0609020204030204" pitchFamily="49" charset="0"/>
+              </a:rPr>
+              <a:t>“</a:t>
+            </a:r>
+          </a:p>
+          <a:p>
+            <a:pPr marL="36513" indent="420688">
+              <a:buNone/>
+            </a:pPr>
+            <a:r>
+              <a:rPr lang="en-US" sz="1800" dirty="0" smtClean="0">
+                <a:latin typeface="Consolas" panose="020B0609020204030204" pitchFamily="49" charset="0"/>
+                <a:cs typeface="Consolas" panose="020B0609020204030204" pitchFamily="49" charset="0"/>
+              </a:rPr>
+              <a:t>});</a:t>
+            </a:r>
+          </a:p>
+          <a:p>
+            <a:pPr marL="36513" indent="420688">
+              <a:buNone/>
+            </a:pPr>
+            <a:endParaRPr lang="en-US" sz="1800" dirty="0">
+              <a:latin typeface="Consolas" panose="020B0609020204030204" pitchFamily="49" charset="0"/>
+              <a:cs typeface="Consolas" panose="020B0609020204030204" pitchFamily="49" charset="0"/>
+            </a:endParaRPr>
+          </a:p>
+          <a:p>
+            <a:pPr marL="36513" indent="420688">
+              <a:buNone/>
+            </a:pPr>
+            <a:r>
+              <a:rPr lang="en-US" sz="1800" dirty="0" smtClean="0">
+                <a:latin typeface="Consolas" panose="020B0609020204030204" pitchFamily="49" charset="0"/>
+                <a:cs typeface="Consolas" panose="020B0609020204030204" pitchFamily="49" charset="0"/>
+              </a:rPr>
+              <a:t>// In main.js</a:t>
+            </a:r>
+          </a:p>
+          <a:p>
+            <a:pPr marL="36513" indent="420688">
+              <a:buNone/>
+            </a:pPr>
+            <a:r>
+              <a:rPr lang="en-US" sz="1800" dirty="0" smtClean="0">
+                <a:latin typeface="Consolas" panose="020B0609020204030204" pitchFamily="49" charset="0"/>
+                <a:cs typeface="Consolas" panose="020B0609020204030204" pitchFamily="49" charset="0"/>
+              </a:rPr>
+              <a:t>require([‘my/shirt.js’],function(shirt) {</a:t>
+            </a:r>
+          </a:p>
+          <a:p>
+            <a:pPr marL="36513" indent="420688">
+              <a:buNone/>
+            </a:pPr>
+            <a:r>
+              <a:rPr lang="en-US" sz="1800" dirty="0">
+                <a:latin typeface="Consolas" panose="020B0609020204030204" pitchFamily="49" charset="0"/>
+                <a:cs typeface="Consolas" panose="020B0609020204030204" pitchFamily="49" charset="0"/>
+              </a:rPr>
+              <a:t> </a:t>
+            </a:r>
+            <a:r>
+              <a:rPr lang="en-US" sz="1800" dirty="0" smtClean="0">
+                <a:latin typeface="Consolas" panose="020B0609020204030204" pitchFamily="49" charset="0"/>
+                <a:cs typeface="Consolas" panose="020B0609020204030204" pitchFamily="49" charset="0"/>
+              </a:rPr>
+              <a:t> alert(</a:t>
+            </a:r>
+            <a:r>
+              <a:rPr lang="en-US" sz="1800" dirty="0" err="1" smtClean="0">
+                <a:latin typeface="Consolas" panose="020B0609020204030204" pitchFamily="49" charset="0"/>
+                <a:cs typeface="Consolas" panose="020B0609020204030204" pitchFamily="49" charset="0"/>
+              </a:rPr>
+              <a:t>shirt.color</a:t>
+            </a:r>
+            <a:r>
+              <a:rPr lang="en-US" sz="1800" dirty="0" smtClean="0">
+                <a:latin typeface="Consolas" panose="020B0609020204030204" pitchFamily="49" charset="0"/>
+                <a:cs typeface="Consolas" panose="020B0609020204030204" pitchFamily="49" charset="0"/>
+              </a:rPr>
+              <a:t>); // black</a:t>
+            </a:r>
+          </a:p>
+          <a:p>
+            <a:pPr marL="36513" indent="420688">
+              <a:buNone/>
+            </a:pPr>
+            <a:r>
+              <a:rPr lang="en-US" sz="1800" dirty="0" smtClean="0">
+                <a:latin typeface="Consolas" panose="020B0609020204030204" pitchFamily="49" charset="0"/>
+                <a:cs typeface="Consolas" panose="020B0609020204030204" pitchFamily="49" charset="0"/>
+              </a:rPr>
+              <a:t>});</a:t>
+            </a:r>
+            <a:endParaRPr lang="en-US" sz="1800" dirty="0">
+              <a:latin typeface="Consolas" panose="020B0609020204030204" pitchFamily="49" charset="0"/>
+              <a:cs typeface="Consolas" panose="020B0609020204030204" pitchFamily="49" charset="0"/>
+            </a:endParaRPr>
           </a:p>
         </p:txBody>
       </p:sp>
     </p:spTree>
     <p:extLst>
       <p:ext uri="{BB962C8B-B14F-4D97-AF65-F5344CB8AC3E}">
-        <p14:creationId xmlns:p14="http://schemas.microsoft.com/office/powerpoint/2010/main" val="4591955"/>
+        <p14:creationId xmlns:p14="http://schemas.microsoft.com/office/powerpoint/2010/main" val="4101921567"/>
       </p:ext>
     </p:extLst>
   </p:cSld>
@@ -5909,6 +5782,305 @@
 </file>
 
 <file path=ppt/slides/slide18.xml><?xml version="1.0" encoding="utf-8"?>
+<p:sld xmlns:a="http://schemas.openxmlformats.org/drawingml/2006/main" xmlns:r="http://schemas.openxmlformats.org/officeDocument/2006/relationships" xmlns:p="http://schemas.openxmlformats.org/presentationml/2006/main">
+  <p:cSld>
+    <p:spTree>
+      <p:nvGrpSpPr>
+        <p:cNvPr id="1" name=""/>
+        <p:cNvGrpSpPr/>
+        <p:nvPr/>
+      </p:nvGrpSpPr>
+      <p:grpSpPr>
+        <a:xfrm>
+          <a:off x="0" y="0"/>
+          <a:ext cx="0" cy="0"/>
+          <a:chOff x="0" y="0"/>
+          <a:chExt cx="0" cy="0"/>
+        </a:xfrm>
+      </p:grpSpPr>
+      <p:sp>
+        <p:nvSpPr>
+          <p:cNvPr id="2" name="Title 1"/>
+          <p:cNvSpPr>
+            <a:spLocks noGrp="1"/>
+          </p:cNvSpPr>
+          <p:nvPr>
+            <p:ph type="title"/>
+          </p:nvPr>
+        </p:nvSpPr>
+        <p:spPr/>
+        <p:txBody>
+          <a:bodyPr/>
+          <a:lstStyle/>
+          <a:p>
+            <a:r>
+              <a:rPr lang="en-US" dirty="0" err="1" smtClean="0"/>
+              <a:t>Browserify</a:t>
+            </a:r>
+            <a:r>
+              <a:rPr lang="en-US" dirty="0" smtClean="0"/>
+              <a:t> (</a:t>
+            </a:r>
+            <a:r>
+              <a:rPr lang="en-US" dirty="0" err="1" smtClean="0"/>
+              <a:t>CommonJS</a:t>
+            </a:r>
+            <a:r>
+              <a:rPr lang="en-US" dirty="0" smtClean="0"/>
+              <a:t>)</a:t>
+            </a:r>
+            <a:endParaRPr lang="en-US" dirty="0"/>
+          </a:p>
+        </p:txBody>
+      </p:sp>
+      <p:sp>
+        <p:nvSpPr>
+          <p:cNvPr id="3" name="Content Placeholder 2"/>
+          <p:cNvSpPr>
+            <a:spLocks noGrp="1"/>
+          </p:cNvSpPr>
+          <p:nvPr>
+            <p:ph idx="1"/>
+          </p:nvPr>
+        </p:nvSpPr>
+        <p:spPr/>
+        <p:txBody>
+          <a:bodyPr>
+            <a:normAutofit fontScale="77500" lnSpcReduction="20000"/>
+          </a:bodyPr>
+          <a:lstStyle/>
+          <a:p>
+            <a:r>
+              <a:rPr lang="en-US" dirty="0"/>
+              <a:t>Browsers don't have the require method defined, but Node.js does. With </a:t>
+            </a:r>
+            <a:r>
+              <a:rPr lang="en-US" dirty="0" err="1">
+                <a:hlinkClick r:id="rId2"/>
+              </a:rPr>
+              <a:t>Browserify</a:t>
+            </a:r>
+            <a:r>
+              <a:rPr lang="en-US" dirty="0"/>
+              <a:t> you can write code that uses require in the same way that you would use it in Node</a:t>
+            </a:r>
+            <a:r>
+              <a:rPr lang="en-US" dirty="0" smtClean="0"/>
+              <a:t>.</a:t>
+            </a:r>
+          </a:p>
+          <a:p>
+            <a:r>
+              <a:rPr lang="en-US" dirty="0" smtClean="0"/>
+              <a:t>Example:</a:t>
+            </a:r>
+          </a:p>
+          <a:p>
+            <a:pPr marL="36513" indent="420688">
+              <a:buNone/>
+            </a:pPr>
+            <a:endParaRPr lang="en-US" sz="1800" dirty="0" smtClean="0">
+              <a:latin typeface="Consolas" panose="020B0609020204030204" pitchFamily="49" charset="0"/>
+              <a:cs typeface="Consolas" panose="020B0609020204030204" pitchFamily="49" charset="0"/>
+            </a:endParaRPr>
+          </a:p>
+          <a:p>
+            <a:pPr marL="36513" indent="420688">
+              <a:buNone/>
+            </a:pPr>
+            <a:r>
+              <a:rPr lang="en-US" sz="1800" dirty="0" smtClean="0">
+                <a:latin typeface="Consolas" panose="020B0609020204030204" pitchFamily="49" charset="0"/>
+                <a:cs typeface="Consolas" panose="020B0609020204030204" pitchFamily="49" charset="0"/>
+              </a:rPr>
+              <a:t>// Create a module like any node module. (e.g. hi.js)</a:t>
+            </a:r>
+          </a:p>
+          <a:p>
+            <a:pPr marL="36513" indent="420688">
+              <a:buNone/>
+            </a:pPr>
+            <a:r>
+              <a:rPr lang="en-US" sz="1800" dirty="0" err="1" smtClean="0">
+                <a:latin typeface="Consolas" panose="020B0609020204030204" pitchFamily="49" charset="0"/>
+                <a:cs typeface="Consolas" panose="020B0609020204030204" pitchFamily="49" charset="0"/>
+              </a:rPr>
+              <a:t>module.exports</a:t>
+            </a:r>
+            <a:r>
+              <a:rPr lang="en-US" sz="1800" dirty="0" smtClean="0">
+                <a:latin typeface="Consolas" panose="020B0609020204030204" pitchFamily="49" charset="0"/>
+                <a:cs typeface="Consolas" panose="020B0609020204030204" pitchFamily="49" charset="0"/>
+              </a:rPr>
+              <a:t> = function() {</a:t>
+            </a:r>
+          </a:p>
+          <a:p>
+            <a:pPr marL="36513" indent="420688">
+              <a:buNone/>
+            </a:pPr>
+            <a:r>
+              <a:rPr lang="en-US" sz="1800" dirty="0">
+                <a:latin typeface="Consolas" panose="020B0609020204030204" pitchFamily="49" charset="0"/>
+                <a:cs typeface="Consolas" panose="020B0609020204030204" pitchFamily="49" charset="0"/>
+              </a:rPr>
+              <a:t> </a:t>
+            </a:r>
+            <a:r>
+              <a:rPr lang="en-US" sz="1800" dirty="0" smtClean="0">
+                <a:latin typeface="Consolas" panose="020B0609020204030204" pitchFamily="49" charset="0"/>
+                <a:cs typeface="Consolas" panose="020B0609020204030204" pitchFamily="49" charset="0"/>
+              </a:rPr>
+              <a:t> return “Hello World!”;</a:t>
+            </a:r>
+          </a:p>
+          <a:p>
+            <a:pPr marL="36513" indent="420688">
+              <a:buNone/>
+            </a:pPr>
+            <a:r>
+              <a:rPr lang="en-US" sz="1800" dirty="0" smtClean="0">
+                <a:latin typeface="Consolas" panose="020B0609020204030204" pitchFamily="49" charset="0"/>
+                <a:cs typeface="Consolas" panose="020B0609020204030204" pitchFamily="49" charset="0"/>
+              </a:rPr>
+              <a:t>}</a:t>
+            </a:r>
+          </a:p>
+          <a:p>
+            <a:pPr marL="36513" indent="420688">
+              <a:buNone/>
+            </a:pPr>
+            <a:endParaRPr lang="en-US" sz="1800" dirty="0">
+              <a:latin typeface="Consolas" panose="020B0609020204030204" pitchFamily="49" charset="0"/>
+              <a:cs typeface="Consolas" panose="020B0609020204030204" pitchFamily="49" charset="0"/>
+            </a:endParaRPr>
+          </a:p>
+          <a:p>
+            <a:pPr marL="36513" indent="420688">
+              <a:buNone/>
+            </a:pPr>
+            <a:r>
+              <a:rPr lang="en-US" sz="1800" dirty="0" smtClean="0">
+                <a:latin typeface="Consolas" panose="020B0609020204030204" pitchFamily="49" charset="0"/>
+                <a:cs typeface="Consolas" panose="020B0609020204030204" pitchFamily="49" charset="0"/>
+              </a:rPr>
+              <a:t>// in main.js</a:t>
+            </a:r>
+          </a:p>
+          <a:p>
+            <a:pPr marL="36513" indent="420688">
+              <a:buNone/>
+            </a:pPr>
+            <a:r>
+              <a:rPr lang="en-US" sz="1800" dirty="0" err="1" smtClean="0">
+                <a:latin typeface="Consolas" panose="020B0609020204030204" pitchFamily="49" charset="0"/>
+                <a:cs typeface="Consolas" panose="020B0609020204030204" pitchFamily="49" charset="0"/>
+              </a:rPr>
+              <a:t>var</a:t>
+            </a:r>
+            <a:r>
+              <a:rPr lang="en-US" sz="1800" dirty="0" smtClean="0">
+                <a:latin typeface="Consolas" panose="020B0609020204030204" pitchFamily="49" charset="0"/>
+                <a:cs typeface="Consolas" panose="020B0609020204030204" pitchFamily="49" charset="0"/>
+              </a:rPr>
+              <a:t> hello = require(‘hi.js’);</a:t>
+            </a:r>
+          </a:p>
+          <a:p>
+            <a:pPr marL="36513" indent="420688">
+              <a:buNone/>
+            </a:pPr>
+            <a:r>
+              <a:rPr lang="en-US" sz="1800" dirty="0" smtClean="0">
+                <a:latin typeface="Consolas" panose="020B0609020204030204" pitchFamily="49" charset="0"/>
+                <a:cs typeface="Consolas" panose="020B0609020204030204" pitchFamily="49" charset="0"/>
+              </a:rPr>
+              <a:t>alert(hello()) // returns “Hello World!”</a:t>
+            </a:r>
+          </a:p>
+          <a:p>
+            <a:pPr marL="36513" indent="420688">
+              <a:buNone/>
+            </a:pPr>
+            <a:endParaRPr lang="en-US" sz="1800" dirty="0" smtClean="0">
+              <a:latin typeface="Consolas" panose="020B0609020204030204" pitchFamily="49" charset="0"/>
+              <a:cs typeface="Consolas" panose="020B0609020204030204" pitchFamily="49" charset="0"/>
+            </a:endParaRPr>
+          </a:p>
+          <a:p>
+            <a:r>
+              <a:rPr lang="en-US" dirty="0" err="1" smtClean="0"/>
+              <a:t>Browserify</a:t>
+            </a:r>
+            <a:r>
+              <a:rPr lang="en-US" dirty="0" smtClean="0"/>
+              <a:t> will create one </a:t>
+            </a:r>
+            <a:r>
+              <a:rPr lang="en-US" dirty="0" err="1" smtClean="0"/>
+              <a:t>js</a:t>
+            </a:r>
+            <a:r>
+              <a:rPr lang="en-US" dirty="0" smtClean="0"/>
+              <a:t> file for you</a:t>
+            </a:r>
+          </a:p>
+          <a:p>
+            <a:pPr lvl="1"/>
+            <a:r>
+              <a:rPr lang="en-US" sz="2100" dirty="0" err="1" smtClean="0">
+                <a:latin typeface="Consolas" panose="020B0609020204030204" pitchFamily="49" charset="0"/>
+                <a:cs typeface="Consolas" panose="020B0609020204030204" pitchFamily="49" charset="0"/>
+              </a:rPr>
+              <a:t>browserify</a:t>
+            </a:r>
+            <a:r>
+              <a:rPr lang="en-US" sz="2100" dirty="0" smtClean="0">
+                <a:latin typeface="Consolas" panose="020B0609020204030204" pitchFamily="49" charset="0"/>
+                <a:cs typeface="Consolas" panose="020B0609020204030204" pitchFamily="49" charset="0"/>
+              </a:rPr>
+              <a:t> </a:t>
+            </a:r>
+            <a:r>
+              <a:rPr lang="en-US" sz="2100" dirty="0">
+                <a:latin typeface="Consolas" panose="020B0609020204030204" pitchFamily="49" charset="0"/>
+                <a:cs typeface="Consolas" panose="020B0609020204030204" pitchFamily="49" charset="0"/>
+              </a:rPr>
+              <a:t>main.js –o bundle.js</a:t>
+            </a:r>
+          </a:p>
+          <a:p>
+            <a:pPr marL="36513" indent="420688">
+              <a:buNone/>
+            </a:pPr>
+            <a:endParaRPr lang="en-US" dirty="0">
+              <a:latin typeface="Consolas" panose="020B0609020204030204" pitchFamily="49" charset="0"/>
+              <a:cs typeface="Consolas" panose="020B0609020204030204" pitchFamily="49" charset="0"/>
+            </a:endParaRPr>
+          </a:p>
+        </p:txBody>
+      </p:sp>
+    </p:spTree>
+    <p:extLst>
+      <p:ext uri="{BB962C8B-B14F-4D97-AF65-F5344CB8AC3E}">
+        <p14:creationId xmlns:p14="http://schemas.microsoft.com/office/powerpoint/2010/main" val="3140160138"/>
+      </p:ext>
+    </p:extLst>
+  </p:cSld>
+  <p:clrMapOvr>
+    <a:masterClrMapping/>
+  </p:clrMapOvr>
+  <p:timing>
+    <p:tnLst>
+      <p:par>
+        <p:cTn id="1" dur="indefinite" restart="never" nodeType="tmRoot"/>
+      </p:par>
+    </p:tnLst>
+  </p:timing>
+</p:sld>
+</file>
+
+<file path=ppt/slides/slide19.xml><?xml version="1.0" encoding="utf-8"?>
 <p:sld xmlns:a="http://schemas.openxmlformats.org/drawingml/2006/main" xmlns:r="http://schemas.openxmlformats.org/officeDocument/2006/relationships" xmlns:p="http://schemas.openxmlformats.org/presentationml/2006/main">
   <p:cSld>
     <p:spTree>
@@ -6028,7 +6200,175 @@
 </p:sld>
 </file>
 
-<file path=ppt/slides/slide19.xml><?xml version="1.0" encoding="utf-8"?>
+<file path=ppt/slides/slide2.xml><?xml version="1.0" encoding="utf-8"?>
+<p:sld xmlns:a="http://schemas.openxmlformats.org/drawingml/2006/main" xmlns:r="http://schemas.openxmlformats.org/officeDocument/2006/relationships" xmlns:p="http://schemas.openxmlformats.org/presentationml/2006/main">
+  <p:cSld>
+    <p:spTree>
+      <p:nvGrpSpPr>
+        <p:cNvPr id="1" name=""/>
+        <p:cNvGrpSpPr/>
+        <p:nvPr/>
+      </p:nvGrpSpPr>
+      <p:grpSpPr>
+        <a:xfrm>
+          <a:off x="0" y="0"/>
+          <a:ext cx="0" cy="0"/>
+          <a:chOff x="0" y="0"/>
+          <a:chExt cx="0" cy="0"/>
+        </a:xfrm>
+      </p:grpSpPr>
+      <p:sp>
+        <p:nvSpPr>
+          <p:cNvPr id="2" name="Title 1"/>
+          <p:cNvSpPr>
+            <a:spLocks noGrp="1"/>
+          </p:cNvSpPr>
+          <p:nvPr>
+            <p:ph type="title"/>
+          </p:nvPr>
+        </p:nvSpPr>
+        <p:spPr/>
+        <p:txBody>
+          <a:bodyPr/>
+          <a:lstStyle/>
+          <a:p>
+            <a:r>
+              <a:rPr lang="en-US" dirty="0" smtClean="0"/>
+              <a:t>Agenda</a:t>
+            </a:r>
+            <a:endParaRPr lang="en-US" dirty="0"/>
+          </a:p>
+        </p:txBody>
+      </p:sp>
+      <p:sp>
+        <p:nvSpPr>
+          <p:cNvPr id="3" name="Content Placeholder 2"/>
+          <p:cNvSpPr>
+            <a:spLocks noGrp="1"/>
+          </p:cNvSpPr>
+          <p:nvPr>
+            <p:ph idx="1"/>
+          </p:nvPr>
+        </p:nvSpPr>
+        <p:spPr/>
+        <p:txBody>
+          <a:bodyPr>
+            <a:normAutofit fontScale="92500" lnSpcReduction="20000"/>
+          </a:bodyPr>
+          <a:lstStyle/>
+          <a:p>
+            <a:r>
+              <a:rPr lang="en-US" dirty="0" smtClean="0"/>
+              <a:t>Introduction</a:t>
+            </a:r>
+          </a:p>
+          <a:p>
+            <a:r>
+              <a:rPr lang="en-US" dirty="0" smtClean="0"/>
+              <a:t>Tools</a:t>
+            </a:r>
+          </a:p>
+          <a:p>
+            <a:pPr lvl="1"/>
+            <a:r>
+              <a:rPr lang="en-US" dirty="0" smtClean="0"/>
+              <a:t>Jasmine</a:t>
+            </a:r>
+          </a:p>
+          <a:p>
+            <a:pPr lvl="1"/>
+            <a:r>
+              <a:rPr lang="en-US" dirty="0" smtClean="0"/>
+              <a:t>Karma</a:t>
+            </a:r>
+          </a:p>
+          <a:p>
+            <a:pPr lvl="1"/>
+            <a:r>
+              <a:rPr lang="en-US" dirty="0" smtClean="0"/>
+              <a:t>Jest</a:t>
+            </a:r>
+          </a:p>
+          <a:p>
+            <a:r>
+              <a:rPr lang="en-US" dirty="0" smtClean="0"/>
+              <a:t>Demonstration</a:t>
+            </a:r>
+            <a:endParaRPr lang="en-US" dirty="0" smtClean="0"/>
+          </a:p>
+          <a:p>
+            <a:r>
+              <a:rPr lang="en-US" dirty="0" smtClean="0"/>
+              <a:t>More Tools</a:t>
+            </a:r>
+          </a:p>
+          <a:p>
+            <a:pPr lvl="1"/>
+            <a:r>
+              <a:rPr lang="en-US" dirty="0" smtClean="0"/>
+              <a:t>Package Management: Node/NPM</a:t>
+            </a:r>
+          </a:p>
+          <a:p>
+            <a:pPr lvl="1"/>
+            <a:r>
+              <a:rPr lang="en-US" dirty="0" smtClean="0"/>
+              <a:t>Loaders: </a:t>
+            </a:r>
+            <a:r>
+              <a:rPr lang="en-US" dirty="0" err="1" smtClean="0"/>
+              <a:t>RequireJS</a:t>
+            </a:r>
+            <a:r>
+              <a:rPr lang="en-US" dirty="0" smtClean="0"/>
+              <a:t> or </a:t>
+            </a:r>
+            <a:r>
+              <a:rPr lang="en-US" dirty="0" err="1" smtClean="0"/>
+              <a:t>Browserify</a:t>
+            </a:r>
+            <a:endParaRPr lang="en-US" dirty="0" smtClean="0"/>
+          </a:p>
+          <a:p>
+            <a:r>
+              <a:rPr lang="en-US" dirty="0" smtClean="0"/>
+              <a:t>Going </a:t>
+            </a:r>
+            <a:r>
+              <a:rPr lang="en-US" dirty="0" smtClean="0"/>
+              <a:t>forward</a:t>
+            </a:r>
+          </a:p>
+          <a:p>
+            <a:pPr lvl="1"/>
+            <a:r>
+              <a:rPr lang="en-US" dirty="0" smtClean="0"/>
+              <a:t>Maven/CI integration</a:t>
+            </a:r>
+          </a:p>
+        </p:txBody>
+      </p:sp>
+    </p:spTree>
+    <p:extLst>
+      <p:ext uri="{BB962C8B-B14F-4D97-AF65-F5344CB8AC3E}">
+        <p14:creationId xmlns:p14="http://schemas.microsoft.com/office/powerpoint/2010/main" val="2337062490"/>
+      </p:ext>
+    </p:extLst>
+  </p:cSld>
+  <p:clrMapOvr>
+    <a:masterClrMapping/>
+  </p:clrMapOvr>
+  <p:timing>
+    <p:tnLst>
+      <p:par>
+        <p:cTn id="1" dur="indefinite" restart="never" nodeType="tmRoot"/>
+      </p:par>
+    </p:tnLst>
+  </p:timing>
+</p:sld>
+</file>
+
+<file path=ppt/slides/slide20.xml><?xml version="1.0" encoding="utf-8"?>
 <p:sld xmlns:a="http://schemas.openxmlformats.org/drawingml/2006/main" xmlns:r="http://schemas.openxmlformats.org/officeDocument/2006/relationships" xmlns:p="http://schemas.openxmlformats.org/presentationml/2006/main">
   <p:cSld>
     <p:spTree>
@@ -6181,7 +6521,7 @@
 </p:sld>
 </file>
 
-<file path=ppt/slides/slide2.xml><?xml version="1.0" encoding="utf-8"?>
+<file path=ppt/slides/slide3.xml><?xml version="1.0" encoding="utf-8"?>
 <p:sld xmlns:a="http://schemas.openxmlformats.org/drawingml/2006/main" xmlns:r="http://schemas.openxmlformats.org/officeDocument/2006/relationships" xmlns:p="http://schemas.openxmlformats.org/presentationml/2006/main">
   <p:cSld>
     <p:spTree>
@@ -6213,6 +6553,10 @@
           <a:bodyPr/>
           <a:lstStyle/>
           <a:p>
+            <a:r>
+              <a:rPr lang="en-US" dirty="0" smtClean="0"/>
+              <a:t>Introduction</a:t>
+            </a:r>
             <a:endParaRPr lang="en-US" dirty="0"/>
           </a:p>
         </p:txBody>
@@ -6229,118 +6573,51 @@
         </p:nvSpPr>
         <p:spPr/>
         <p:txBody>
-          <a:bodyPr>
-            <a:normAutofit fontScale="92500" lnSpcReduction="20000"/>
-          </a:bodyPr>
-          <a:lstStyle/>
-          <a:p>
-            <a:r>
-              <a:rPr lang="en-US" dirty="0" smtClean="0"/>
-              <a:t>Introduction</a:t>
-            </a:r>
-          </a:p>
-          <a:p>
-            <a:r>
-              <a:rPr lang="en-US" dirty="0" smtClean="0"/>
-              <a:t>Tools</a:t>
-            </a:r>
-          </a:p>
-          <a:p>
-            <a:pPr lvl="1"/>
-            <a:r>
-              <a:rPr lang="en-US" dirty="0" smtClean="0"/>
-              <a:t>Jasmine</a:t>
-            </a:r>
-          </a:p>
-          <a:p>
-            <a:pPr lvl="1"/>
-            <a:r>
-              <a:rPr lang="en-US" dirty="0" smtClean="0"/>
-              <a:t>Karma</a:t>
-            </a:r>
-          </a:p>
-          <a:p>
-            <a:pPr lvl="1"/>
-            <a:r>
-              <a:rPr lang="en-US" dirty="0" smtClean="0"/>
-              <a:t>Jest</a:t>
-            </a:r>
-          </a:p>
-          <a:p>
-            <a:r>
-              <a:rPr lang="en-US" dirty="0" smtClean="0"/>
-              <a:t>Demonstration</a:t>
-            </a:r>
-          </a:p>
-          <a:p>
-            <a:r>
-              <a:rPr lang="en-US" dirty="0" smtClean="0"/>
-              <a:t>More Tools</a:t>
-            </a:r>
-          </a:p>
-          <a:p>
-            <a:pPr lvl="1"/>
-            <a:r>
-              <a:rPr lang="en-US" dirty="0" smtClean="0"/>
-              <a:t>Package Management: Node/NPM</a:t>
-            </a:r>
-          </a:p>
-          <a:p>
-            <a:pPr lvl="1"/>
-            <a:r>
-              <a:rPr lang="en-US" dirty="0" smtClean="0"/>
-              <a:t>Loaders: </a:t>
+          <a:bodyPr/>
+          <a:lstStyle/>
+          <a:p>
+            <a:r>
+              <a:rPr lang="en-US" dirty="0" smtClean="0"/>
+              <a:t>Overview of different methods to test </a:t>
             </a:r>
             <a:r>
               <a:rPr lang="en-US" dirty="0" err="1" smtClean="0"/>
-              <a:t>RequireJS</a:t>
-            </a:r>
-            <a:r>
-              <a:rPr lang="en-US" dirty="0" smtClean="0"/>
-              <a:t> or </a:t>
-            </a:r>
-            <a:r>
-              <a:rPr lang="en-US" dirty="0" err="1" smtClean="0"/>
-              <a:t>Browserify</a:t>
-            </a:r>
-            <a:endParaRPr lang="en-US" dirty="0" smtClean="0"/>
-          </a:p>
-          <a:p>
-            <a:r>
-              <a:rPr lang="en-US" dirty="0" smtClean="0"/>
-              <a:t>Going forward</a:t>
-            </a:r>
-          </a:p>
-          <a:p>
-            <a:pPr lvl="1"/>
-            <a:r>
-              <a:rPr lang="en-US" dirty="0" smtClean="0"/>
-              <a:t>Maven/CI integration</a:t>
-            </a:r>
+              <a:t>javascript</a:t>
+            </a:r>
+            <a:r>
+              <a:rPr lang="en-US" dirty="0" smtClean="0"/>
+              <a:t> code</a:t>
+            </a:r>
+          </a:p>
+          <a:p>
+            <a:r>
+              <a:rPr lang="en-US" dirty="0" smtClean="0"/>
+              <a:t>Skims the surface</a:t>
+            </a:r>
+          </a:p>
+          <a:p>
+            <a:r>
+              <a:rPr lang="en-US" dirty="0" smtClean="0"/>
+              <a:t>Let us know if one of the topics would be worth another brown bag</a:t>
+            </a:r>
+            <a:endParaRPr lang="en-US" dirty="0"/>
           </a:p>
         </p:txBody>
       </p:sp>
     </p:spTree>
     <p:extLst>
       <p:ext uri="{BB962C8B-B14F-4D97-AF65-F5344CB8AC3E}">
-        <p14:creationId xmlns:p14="http://schemas.microsoft.com/office/powerpoint/2010/main" val="2337062490"/>
+        <p14:creationId xmlns:p14="http://schemas.microsoft.com/office/powerpoint/2010/main" val="454906431"/>
       </p:ext>
     </p:extLst>
   </p:cSld>
   <p:clrMapOvr>
     <a:masterClrMapping/>
   </p:clrMapOvr>
-  <p:timing>
-    <p:tnLst>
-      <p:par>
-        <p:cTn id="1" dur="indefinite" restart="never" nodeType="tmRoot"/>
-      </p:par>
-    </p:tnLst>
-  </p:timing>
 </p:sld>
 </file>
 
-<file path=ppt/slides/slide3.xml><?xml version="1.0" encoding="utf-8"?>
+<file path=ppt/slides/slide4.xml><?xml version="1.0" encoding="utf-8"?>
 <p:sld xmlns:a="http://schemas.openxmlformats.org/drawingml/2006/main" xmlns:r="http://schemas.openxmlformats.org/officeDocument/2006/relationships" xmlns:p="http://schemas.openxmlformats.org/presentationml/2006/main">
   <p:cSld>
     <p:spTree>
@@ -6429,7 +6706,7 @@
 </p:sld>
 </file>
 
-<file path=ppt/slides/slide4.xml><?xml version="1.0" encoding="utf-8"?>
+<file path=ppt/slides/slide5.xml><?xml version="1.0" encoding="utf-8"?>
 <p:sld xmlns:a="http://schemas.openxmlformats.org/drawingml/2006/main" xmlns:r="http://schemas.openxmlformats.org/officeDocument/2006/relationships" xmlns:p="http://schemas.openxmlformats.org/presentationml/2006/main">
   <p:cSld>
     <p:spTree>
@@ -6607,7 +6884,7 @@
 </p:sld>
 </file>
 
-<file path=ppt/slides/slide5.xml><?xml version="1.0" encoding="utf-8"?>
+<file path=ppt/slides/slide6.xml><?xml version="1.0" encoding="utf-8"?>
 <p:sld xmlns:a="http://schemas.openxmlformats.org/drawingml/2006/main" xmlns:r="http://schemas.openxmlformats.org/officeDocument/2006/relationships" xmlns:p="http://schemas.openxmlformats.org/presentationml/2006/main">
   <p:cSld>
     <p:spTree>
@@ -6639,7 +6916,7 @@
           <a:bodyPr/>
           <a:lstStyle/>
           <a:p>
-            <a:endParaRPr lang="en-US"/>
+            <a:endParaRPr lang="en-US" dirty="0"/>
           </a:p>
         </p:txBody>
       </p:sp>
@@ -6692,163 +6969,6 @@
 </p:sld>
 </file>
 
-<file path=ppt/slides/slide6.xml><?xml version="1.0" encoding="utf-8"?>
-<p:sld xmlns:a="http://schemas.openxmlformats.org/drawingml/2006/main" xmlns:r="http://schemas.openxmlformats.org/officeDocument/2006/relationships" xmlns:p="http://schemas.openxmlformats.org/presentationml/2006/main">
-  <p:cSld>
-    <p:spTree>
-      <p:nvGrpSpPr>
-        <p:cNvPr id="1" name=""/>
-        <p:cNvGrpSpPr/>
-        <p:nvPr/>
-      </p:nvGrpSpPr>
-      <p:grpSpPr>
-        <a:xfrm>
-          <a:off x="0" y="0"/>
-          <a:ext cx="0" cy="0"/>
-          <a:chOff x="0" y="0"/>
-          <a:chExt cx="0" cy="0"/>
-        </a:xfrm>
-      </p:grpSpPr>
-      <p:sp>
-        <p:nvSpPr>
-          <p:cNvPr id="2" name="Title 1"/>
-          <p:cNvSpPr>
-            <a:spLocks noGrp="1"/>
-          </p:cNvSpPr>
-          <p:nvPr>
-            <p:ph type="title"/>
-          </p:nvPr>
-        </p:nvSpPr>
-        <p:spPr/>
-        <p:txBody>
-          <a:bodyPr/>
-          <a:lstStyle/>
-          <a:p>
-            <a:r>
-              <a:rPr lang="en-US" dirty="0" smtClean="0"/>
-              <a:t>Jasmine</a:t>
-            </a:r>
-            <a:endParaRPr lang="en-US" dirty="0"/>
-          </a:p>
-        </p:txBody>
-      </p:sp>
-      <p:sp>
-        <p:nvSpPr>
-          <p:cNvPr id="3" name="Content Placeholder 2"/>
-          <p:cNvSpPr>
-            <a:spLocks noGrp="1"/>
-          </p:cNvSpPr>
-          <p:nvPr>
-            <p:ph idx="1"/>
-          </p:nvPr>
-        </p:nvSpPr>
-        <p:spPr/>
-        <p:txBody>
-          <a:bodyPr/>
-          <a:lstStyle/>
-          <a:p>
-            <a:r>
-              <a:rPr lang="en-US" dirty="0"/>
-              <a:t>Jasmine is an open source testing framework for JavaScript</a:t>
-            </a:r>
-            <a:r>
-              <a:rPr lang="en-US" dirty="0" smtClean="0"/>
-              <a:t>. </a:t>
-            </a:r>
-            <a:r>
-              <a:rPr lang="en-US" dirty="0"/>
-              <a:t>It aims to run on any JavaScript-enabled platform, to not intrude on the application nor the IDE, and to have easy-to-read syntax. It is heavily influenced by other unit testing frameworks, such as </a:t>
-            </a:r>
-            <a:r>
-              <a:rPr lang="en-US" dirty="0" err="1"/>
-              <a:t>ScrewUnit</a:t>
-            </a:r>
-            <a:r>
-              <a:rPr lang="en-US" dirty="0"/>
-              <a:t>, </a:t>
-            </a:r>
-            <a:r>
-              <a:rPr lang="en-US" dirty="0" err="1"/>
-              <a:t>JSSpec</a:t>
-            </a:r>
-            <a:r>
-              <a:rPr lang="en-US" dirty="0"/>
-              <a:t>, </a:t>
-            </a:r>
-            <a:r>
-              <a:rPr lang="en-US" dirty="0" err="1"/>
-              <a:t>JSpec</a:t>
-            </a:r>
-            <a:r>
-              <a:rPr lang="en-US" dirty="0"/>
-              <a:t>, and </a:t>
-            </a:r>
-            <a:r>
-              <a:rPr lang="en-US" dirty="0" err="1"/>
-              <a:t>RSpec</a:t>
-            </a:r>
-            <a:r>
-              <a:rPr lang="en-US" dirty="0" smtClean="0"/>
-              <a:t>.</a:t>
-            </a:r>
-          </a:p>
-          <a:p>
-            <a:endParaRPr lang="en-US" dirty="0"/>
-          </a:p>
-        </p:txBody>
-      </p:sp>
-      <p:sp>
-        <p:nvSpPr>
-          <p:cNvPr id="4" name="TextBox 3"/>
-          <p:cNvSpPr txBox="1"/>
-          <p:nvPr/>
-        </p:nvSpPr>
-        <p:spPr>
-          <a:xfrm>
-            <a:off x="3810000" y="6038076"/>
-            <a:ext cx="4881465" cy="276999"/>
-          </a:xfrm>
-          <a:prstGeom prst="rect">
-            <a:avLst/>
-          </a:prstGeom>
-          <a:noFill/>
-        </p:spPr>
-        <p:txBody>
-          <a:bodyPr wrap="none" rtlCol="0">
-            <a:spAutoFit/>
-          </a:bodyPr>
-          <a:lstStyle/>
-          <a:p>
-            <a:r>
-              <a:rPr lang="en-US" sz="1200" dirty="0" smtClean="0">
-                <a:hlinkClick r:id="rId2"/>
-              </a:rPr>
-              <a:t>https://en.wikipedia.org/wiki/Jasmine_%28JavaScript_framework%29</a:t>
-            </a:r>
-            <a:endParaRPr lang="en-US" sz="1200" dirty="0"/>
-          </a:p>
-        </p:txBody>
-      </p:sp>
-    </p:spTree>
-    <p:extLst>
-      <p:ext uri="{BB962C8B-B14F-4D97-AF65-F5344CB8AC3E}">
-        <p14:creationId xmlns:p14="http://schemas.microsoft.com/office/powerpoint/2010/main" val="1662494579"/>
-      </p:ext>
-    </p:extLst>
-  </p:cSld>
-  <p:clrMapOvr>
-    <a:masterClrMapping/>
-  </p:clrMapOvr>
-  <p:timing>
-    <p:tnLst>
-      <p:par>
-        <p:cTn id="1" dur="indefinite" restart="never" nodeType="tmRoot"/>
-      </p:par>
-    </p:tnLst>
-  </p:timing>
-</p:sld>
-</file>
-
 <file path=ppt/slides/slide7.xml><?xml version="1.0" encoding="utf-8"?>
 <p:sld xmlns:a="http://schemas.openxmlformats.org/drawingml/2006/main" xmlns:r="http://schemas.openxmlformats.org/officeDocument/2006/relationships" xmlns:p="http://schemas.openxmlformats.org/presentationml/2006/main">
   <p:cSld>
@@ -6905,153 +7025,112 @@
           <a:lstStyle/>
           <a:p>
             <a:r>
-              <a:rPr lang="en-US" dirty="0" smtClean="0"/>
-              <a:t>Example:</a:t>
-            </a:r>
-          </a:p>
-          <a:p>
+              <a:rPr lang="en-US" dirty="0">
+                <a:hlinkClick r:id="rId2"/>
+              </a:rPr>
+              <a:t>Jasmine</a:t>
+            </a:r>
+            <a:r>
+              <a:rPr lang="en-US" dirty="0"/>
+              <a:t> is an open source testing framework for JavaScript</a:t>
+            </a:r>
+            <a:r>
+              <a:rPr lang="en-US" dirty="0" smtClean="0"/>
+              <a:t>. </a:t>
+            </a:r>
+            <a:r>
+              <a:rPr lang="en-US" dirty="0"/>
+              <a:t>It aims to run on any JavaScript-enabled platform, to not intrude on the application nor the IDE, and to have easy-to-read syntax. It is heavily influenced by other unit testing frameworks, such as </a:t>
+            </a:r>
+            <a:r>
+              <a:rPr lang="en-US" dirty="0" err="1"/>
+              <a:t>ScrewUnit</a:t>
+            </a:r>
+            <a:r>
+              <a:rPr lang="en-US" dirty="0"/>
+              <a:t>, </a:t>
+            </a:r>
+            <a:r>
+              <a:rPr lang="en-US" dirty="0" err="1"/>
+              <a:t>JSSpec</a:t>
+            </a:r>
+            <a:r>
+              <a:rPr lang="en-US" dirty="0"/>
+              <a:t>, </a:t>
+            </a:r>
+            <a:r>
+              <a:rPr lang="en-US" dirty="0" err="1"/>
+              <a:t>JSpec</a:t>
+            </a:r>
+            <a:r>
+              <a:rPr lang="en-US" dirty="0"/>
+              <a:t>, and </a:t>
+            </a:r>
+            <a:r>
+              <a:rPr lang="en-US" dirty="0" err="1"/>
+              <a:t>RSpec</a:t>
+            </a:r>
+            <a:r>
+              <a:rPr lang="en-US" dirty="0" smtClean="0"/>
+              <a:t>.</a:t>
+            </a:r>
+          </a:p>
+          <a:p>
+            <a:r>
+              <a:rPr lang="en-US" dirty="0" smtClean="0"/>
+              <a:t>De facto standard for </a:t>
+            </a:r>
+            <a:r>
+              <a:rPr lang="en-US" dirty="0" err="1" smtClean="0"/>
+              <a:t>javascript</a:t>
+            </a:r>
+            <a:r>
+              <a:rPr lang="en-US" dirty="0" smtClean="0"/>
+              <a:t> testing</a:t>
+            </a:r>
             <a:endParaRPr lang="en-US" dirty="0" smtClean="0"/>
           </a:p>
           <a:p>
-            <a:pPr marL="36576" indent="0">
-              <a:buNone/>
-            </a:pPr>
-            <a:r>
-              <a:rPr lang="en-US" sz="1800" dirty="0">
-                <a:latin typeface="Consolas" panose="020B0609020204030204" pitchFamily="49" charset="0"/>
-                <a:cs typeface="Consolas" panose="020B0609020204030204" pitchFamily="49" charset="0"/>
-              </a:rPr>
-              <a:t>describe('Hello world', function() </a:t>
-            </a:r>
-            <a:r>
-              <a:rPr lang="en-US" sz="1800" dirty="0" smtClean="0">
-                <a:latin typeface="Consolas" panose="020B0609020204030204" pitchFamily="49" charset="0"/>
-                <a:cs typeface="Consolas" panose="020B0609020204030204" pitchFamily="49" charset="0"/>
-              </a:rPr>
-              <a:t>{</a:t>
-            </a:r>
-          </a:p>
-          <a:p>
-            <a:pPr marL="36576" indent="0">
-              <a:buNone/>
-            </a:pPr>
-            <a:r>
-              <a:rPr lang="en-US" sz="1800" dirty="0">
-                <a:latin typeface="Consolas" panose="020B0609020204030204" pitchFamily="49" charset="0"/>
-                <a:cs typeface="Consolas" panose="020B0609020204030204" pitchFamily="49" charset="0"/>
-              </a:rPr>
-              <a:t> </a:t>
-            </a:r>
-            <a:r>
-              <a:rPr lang="en-US" sz="1800" dirty="0" smtClean="0">
-                <a:latin typeface="Consolas" panose="020B0609020204030204" pitchFamily="49" charset="0"/>
-                <a:cs typeface="Consolas" panose="020B0609020204030204" pitchFamily="49" charset="0"/>
-              </a:rPr>
-              <a:t>  </a:t>
-            </a:r>
-            <a:r>
-              <a:rPr lang="en-US" sz="1800" dirty="0">
-                <a:latin typeface="Consolas" panose="020B0609020204030204" pitchFamily="49" charset="0"/>
-                <a:cs typeface="Consolas" panose="020B0609020204030204" pitchFamily="49" charset="0"/>
-              </a:rPr>
-              <a:t>it('says hello', function() </a:t>
-            </a:r>
-            <a:r>
-              <a:rPr lang="en-US" sz="1800" dirty="0" smtClean="0">
-                <a:latin typeface="Consolas" panose="020B0609020204030204" pitchFamily="49" charset="0"/>
-                <a:cs typeface="Consolas" panose="020B0609020204030204" pitchFamily="49" charset="0"/>
-              </a:rPr>
-              <a:t>{</a:t>
-            </a:r>
-          </a:p>
-          <a:p>
-            <a:pPr marL="36576" indent="0">
-              <a:buNone/>
-            </a:pPr>
-            <a:r>
-              <a:rPr lang="en-US" sz="1800" dirty="0">
-                <a:latin typeface="Consolas" panose="020B0609020204030204" pitchFamily="49" charset="0"/>
-                <a:cs typeface="Consolas" panose="020B0609020204030204" pitchFamily="49" charset="0"/>
-              </a:rPr>
-              <a:t> </a:t>
-            </a:r>
-            <a:r>
-              <a:rPr lang="en-US" sz="1800" dirty="0" smtClean="0">
-                <a:latin typeface="Consolas" panose="020B0609020204030204" pitchFamily="49" charset="0"/>
-                <a:cs typeface="Consolas" panose="020B0609020204030204" pitchFamily="49" charset="0"/>
-              </a:rPr>
-              <a:t>     expect(</a:t>
-            </a:r>
-            <a:r>
-              <a:rPr lang="en-US" sz="1800" dirty="0" err="1" smtClean="0">
-                <a:latin typeface="Consolas" panose="020B0609020204030204" pitchFamily="49" charset="0"/>
-                <a:cs typeface="Consolas" panose="020B0609020204030204" pitchFamily="49" charset="0"/>
-              </a:rPr>
-              <a:t>helloWorld</a:t>
-            </a:r>
-            <a:r>
-              <a:rPr lang="en-US" sz="1800" dirty="0">
-                <a:latin typeface="Consolas" panose="020B0609020204030204" pitchFamily="49" charset="0"/>
-                <a:cs typeface="Consolas" panose="020B0609020204030204" pitchFamily="49" charset="0"/>
-              </a:rPr>
-              <a:t>()).</a:t>
-            </a:r>
-            <a:r>
-              <a:rPr lang="en-US" sz="1800" dirty="0" err="1">
-                <a:latin typeface="Consolas" panose="020B0609020204030204" pitchFamily="49" charset="0"/>
-                <a:cs typeface="Consolas" panose="020B0609020204030204" pitchFamily="49" charset="0"/>
-              </a:rPr>
-              <a:t>toEqual</a:t>
-            </a:r>
-            <a:r>
-              <a:rPr lang="en-US" sz="1800" dirty="0">
-                <a:latin typeface="Consolas" panose="020B0609020204030204" pitchFamily="49" charset="0"/>
-                <a:cs typeface="Consolas" panose="020B0609020204030204" pitchFamily="49" charset="0"/>
-              </a:rPr>
-              <a:t>("Hello world</a:t>
-            </a:r>
-            <a:r>
-              <a:rPr lang="en-US" sz="1800" dirty="0" smtClean="0">
-                <a:latin typeface="Consolas" panose="020B0609020204030204" pitchFamily="49" charset="0"/>
-                <a:cs typeface="Consolas" panose="020B0609020204030204" pitchFamily="49" charset="0"/>
-              </a:rPr>
-              <a:t>!");</a:t>
-            </a:r>
-          </a:p>
-          <a:p>
-            <a:pPr marL="36576" indent="0">
-              <a:buNone/>
-            </a:pPr>
-            <a:r>
-              <a:rPr lang="en-US" sz="1800" dirty="0" smtClean="0">
-                <a:latin typeface="Consolas" panose="020B0609020204030204" pitchFamily="49" charset="0"/>
-                <a:cs typeface="Consolas" panose="020B0609020204030204" pitchFamily="49" charset="0"/>
-              </a:rPr>
-              <a:t>   });</a:t>
-            </a:r>
-          </a:p>
-          <a:p>
-            <a:pPr marL="36576" indent="0">
-              <a:buNone/>
-            </a:pPr>
-            <a:r>
-              <a:rPr lang="en-US" sz="1800" dirty="0" smtClean="0">
-                <a:latin typeface="Consolas" panose="020B0609020204030204" pitchFamily="49" charset="0"/>
-                <a:cs typeface="Consolas" panose="020B0609020204030204" pitchFamily="49" charset="0"/>
-              </a:rPr>
-              <a:t>});</a:t>
-            </a:r>
-            <a:endParaRPr lang="en-US" sz="1800" dirty="0">
-              <a:latin typeface="Consolas" panose="020B0609020204030204" pitchFamily="49" charset="0"/>
-              <a:cs typeface="Consolas" panose="020B0609020204030204" pitchFamily="49" charset="0"/>
-            </a:endParaRPr>
+            <a:endParaRPr lang="en-US" dirty="0"/>
+          </a:p>
+        </p:txBody>
+      </p:sp>
+      <p:sp>
+        <p:nvSpPr>
+          <p:cNvPr id="4" name="TextBox 3"/>
+          <p:cNvSpPr txBox="1"/>
+          <p:nvPr/>
+        </p:nvSpPr>
+        <p:spPr>
+          <a:xfrm>
+            <a:off x="3810000" y="6038076"/>
+            <a:ext cx="4881465" cy="276999"/>
+          </a:xfrm>
+          <a:prstGeom prst="rect">
+            <a:avLst/>
+          </a:prstGeom>
+          <a:noFill/>
+        </p:spPr>
+        <p:txBody>
+          <a:bodyPr wrap="none" rtlCol="0">
+            <a:spAutoFit/>
+          </a:bodyPr>
+          <a:lstStyle/>
+          <a:p>
+            <a:r>
+              <a:rPr lang="en-US" sz="1200" dirty="0" smtClean="0">
+                <a:hlinkClick r:id="rId3"/>
+              </a:rPr>
+              <a:t>https://en.wikipedia.org/wiki/Jasmine_%28JavaScript_framework%29</a:t>
+            </a:r>
+            <a:endParaRPr lang="en-US" sz="1200" dirty="0"/>
           </a:p>
         </p:txBody>
       </p:sp>
     </p:spTree>
     <p:extLst>
       <p:ext uri="{BB962C8B-B14F-4D97-AF65-F5344CB8AC3E}">
-        <p14:creationId xmlns:p14="http://schemas.microsoft.com/office/powerpoint/2010/main" val="4064705731"/>
+        <p14:creationId xmlns:p14="http://schemas.microsoft.com/office/powerpoint/2010/main" val="1662494579"/>
       </p:ext>
     </p:extLst>
   </p:cSld>
@@ -7100,43 +7179,248 @@
           <a:bodyPr/>
           <a:lstStyle/>
           <a:p>
-            <a:endParaRPr lang="en-US"/>
-          </a:p>
-        </p:txBody>
-      </p:sp>
-      <p:pic>
-        <p:nvPicPr>
-          <p:cNvPr id="4" name="Content Placeholder 3"/>
-          <p:cNvPicPr>
-            <a:picLocks noGrp="1" noChangeAspect="1"/>
-          </p:cNvPicPr>
+            <a:r>
+              <a:rPr lang="en-US" dirty="0" smtClean="0"/>
+              <a:t>Jasmine</a:t>
+            </a:r>
+            <a:endParaRPr lang="en-US" dirty="0"/>
+          </a:p>
+        </p:txBody>
+      </p:sp>
+      <p:sp>
+        <p:nvSpPr>
+          <p:cNvPr id="3" name="Content Placeholder 2"/>
+          <p:cNvSpPr>
+            <a:spLocks noGrp="1"/>
+          </p:cNvSpPr>
           <p:nvPr>
             <p:ph idx="1"/>
           </p:nvPr>
-        </p:nvPicPr>
-        <p:blipFill>
-          <a:blip r:embed="rId2">
-            <a:extLst>
-              <a:ext uri="{28A0092B-C50C-407E-A947-70E740481C1C}">
-                <a14:useLocalDpi xmlns:a14="http://schemas.microsoft.com/office/drawing/2010/main" val="0"/>
-              </a:ext>
-            </a:extLst>
-          </a:blip>
-          <a:stretch>
-            <a:fillRect/>
-          </a:stretch>
-        </p:blipFill>
-        <p:spPr>
-          <a:xfrm>
-            <a:off x="1214437" y="2415381"/>
-            <a:ext cx="5953125" cy="2895600"/>
-          </a:xfrm>
-        </p:spPr>
-      </p:pic>
+        </p:nvSpPr>
+        <p:spPr/>
+        <p:txBody>
+          <a:bodyPr>
+            <a:normAutofit/>
+          </a:bodyPr>
+          <a:lstStyle/>
+          <a:p>
+            <a:r>
+              <a:rPr lang="en-US" dirty="0" smtClean="0"/>
+              <a:t>Example:</a:t>
+            </a:r>
+          </a:p>
+          <a:p>
+            <a:endParaRPr lang="en-US" dirty="0" smtClean="0"/>
+          </a:p>
+          <a:p>
+            <a:pPr marL="36576" indent="0">
+              <a:buNone/>
+            </a:pPr>
+            <a:r>
+              <a:rPr lang="en-US" sz="1800" dirty="0">
+                <a:latin typeface="Consolas" panose="020B0609020204030204" pitchFamily="49" charset="0"/>
+                <a:cs typeface="Consolas" panose="020B0609020204030204" pitchFamily="49" charset="0"/>
+              </a:rPr>
+              <a:t>describe('Hello world', function() </a:t>
+            </a:r>
+            <a:r>
+              <a:rPr lang="en-US" sz="1800" dirty="0" smtClean="0">
+                <a:latin typeface="Consolas" panose="020B0609020204030204" pitchFamily="49" charset="0"/>
+                <a:cs typeface="Consolas" panose="020B0609020204030204" pitchFamily="49" charset="0"/>
+              </a:rPr>
+              <a:t>{</a:t>
+            </a:r>
+          </a:p>
+          <a:p>
+            <a:pPr marL="36576" indent="0">
+              <a:buNone/>
+            </a:pPr>
+            <a:r>
+              <a:rPr lang="en-US" sz="1800" dirty="0">
+                <a:latin typeface="Consolas" panose="020B0609020204030204" pitchFamily="49" charset="0"/>
+                <a:cs typeface="Consolas" panose="020B0609020204030204" pitchFamily="49" charset="0"/>
+              </a:rPr>
+              <a:t> </a:t>
+            </a:r>
+            <a:r>
+              <a:rPr lang="en-US" sz="1800" dirty="0" smtClean="0">
+                <a:latin typeface="Consolas" panose="020B0609020204030204" pitchFamily="49" charset="0"/>
+                <a:cs typeface="Consolas" panose="020B0609020204030204" pitchFamily="49" charset="0"/>
+              </a:rPr>
+              <a:t>  </a:t>
+            </a:r>
+            <a:r>
+              <a:rPr lang="en-US" sz="1800" dirty="0">
+                <a:latin typeface="Consolas" panose="020B0609020204030204" pitchFamily="49" charset="0"/>
+                <a:cs typeface="Consolas" panose="020B0609020204030204" pitchFamily="49" charset="0"/>
+              </a:rPr>
+              <a:t>it('says hello', function() </a:t>
+            </a:r>
+            <a:r>
+              <a:rPr lang="en-US" sz="1800" dirty="0" smtClean="0">
+                <a:latin typeface="Consolas" panose="020B0609020204030204" pitchFamily="49" charset="0"/>
+                <a:cs typeface="Consolas" panose="020B0609020204030204" pitchFamily="49" charset="0"/>
+              </a:rPr>
+              <a:t>{</a:t>
+            </a:r>
+          </a:p>
+          <a:p>
+            <a:pPr marL="36576" indent="0">
+              <a:buNone/>
+            </a:pPr>
+            <a:r>
+              <a:rPr lang="en-US" sz="1800" dirty="0">
+                <a:latin typeface="Consolas" panose="020B0609020204030204" pitchFamily="49" charset="0"/>
+                <a:cs typeface="Consolas" panose="020B0609020204030204" pitchFamily="49" charset="0"/>
+              </a:rPr>
+              <a:t> </a:t>
+            </a:r>
+            <a:r>
+              <a:rPr lang="en-US" sz="1800" dirty="0" smtClean="0">
+                <a:latin typeface="Consolas" panose="020B0609020204030204" pitchFamily="49" charset="0"/>
+                <a:cs typeface="Consolas" panose="020B0609020204030204" pitchFamily="49" charset="0"/>
+              </a:rPr>
+              <a:t>     expect(</a:t>
+            </a:r>
+            <a:r>
+              <a:rPr lang="en-US" sz="1800" dirty="0" err="1" smtClean="0">
+                <a:latin typeface="Consolas" panose="020B0609020204030204" pitchFamily="49" charset="0"/>
+                <a:cs typeface="Consolas" panose="020B0609020204030204" pitchFamily="49" charset="0"/>
+              </a:rPr>
+              <a:t>helloWorld</a:t>
+            </a:r>
+            <a:r>
+              <a:rPr lang="en-US" sz="1800" dirty="0">
+                <a:latin typeface="Consolas" panose="020B0609020204030204" pitchFamily="49" charset="0"/>
+                <a:cs typeface="Consolas" panose="020B0609020204030204" pitchFamily="49" charset="0"/>
+              </a:rPr>
+              <a:t>()).</a:t>
+            </a:r>
+            <a:r>
+              <a:rPr lang="en-US" sz="1800" dirty="0" err="1">
+                <a:latin typeface="Consolas" panose="020B0609020204030204" pitchFamily="49" charset="0"/>
+                <a:cs typeface="Consolas" panose="020B0609020204030204" pitchFamily="49" charset="0"/>
+              </a:rPr>
+              <a:t>toEqual</a:t>
+            </a:r>
+            <a:r>
+              <a:rPr lang="en-US" sz="1800" dirty="0">
+                <a:latin typeface="Consolas" panose="020B0609020204030204" pitchFamily="49" charset="0"/>
+                <a:cs typeface="Consolas" panose="020B0609020204030204" pitchFamily="49" charset="0"/>
+              </a:rPr>
+              <a:t>("Hello world</a:t>
+            </a:r>
+            <a:r>
+              <a:rPr lang="en-US" sz="1800" dirty="0" smtClean="0">
+                <a:latin typeface="Consolas" panose="020B0609020204030204" pitchFamily="49" charset="0"/>
+                <a:cs typeface="Consolas" panose="020B0609020204030204" pitchFamily="49" charset="0"/>
+              </a:rPr>
+              <a:t>!");</a:t>
+            </a:r>
+          </a:p>
+          <a:p>
+            <a:pPr marL="36576" indent="0">
+              <a:buNone/>
+            </a:pPr>
+            <a:r>
+              <a:rPr lang="en-US" sz="1800" dirty="0" smtClean="0">
+                <a:latin typeface="Consolas" panose="020B0609020204030204" pitchFamily="49" charset="0"/>
+                <a:cs typeface="Consolas" panose="020B0609020204030204" pitchFamily="49" charset="0"/>
+              </a:rPr>
+              <a:t>   });</a:t>
+            </a:r>
+          </a:p>
+          <a:p>
+            <a:pPr marL="36576" indent="0">
+              <a:buNone/>
+            </a:pPr>
+            <a:r>
+              <a:rPr lang="en-US" sz="1800" dirty="0" smtClean="0">
+                <a:latin typeface="Consolas" panose="020B0609020204030204" pitchFamily="49" charset="0"/>
+                <a:cs typeface="Consolas" panose="020B0609020204030204" pitchFamily="49" charset="0"/>
+              </a:rPr>
+              <a:t>});</a:t>
+            </a:r>
+          </a:p>
+          <a:p>
+            <a:pPr marL="36576" indent="0">
+              <a:buNone/>
+            </a:pPr>
+            <a:endParaRPr lang="en-US" sz="1800" dirty="0">
+              <a:latin typeface="Consolas" panose="020B0609020204030204" pitchFamily="49" charset="0"/>
+              <a:cs typeface="Consolas" panose="020B0609020204030204" pitchFamily="49" charset="0"/>
+            </a:endParaRPr>
+          </a:p>
+          <a:p>
+            <a:pPr lvl="0">
+              <a:buClr>
+                <a:srgbClr val="6EA0B0"/>
+              </a:buClr>
+            </a:pPr>
+            <a:r>
+              <a:rPr lang="en-US" sz="2400" dirty="0" smtClean="0">
+                <a:solidFill>
+                  <a:prstClr val="white"/>
+                </a:solidFill>
+              </a:rPr>
+              <a:t>Missing concept of spies </a:t>
+            </a:r>
+            <a:r>
+              <a:rPr lang="en-US" sz="2400" i="1" dirty="0" smtClean="0">
+                <a:solidFill>
+                  <a:prstClr val="white"/>
+                </a:solidFill>
+              </a:rPr>
+              <a:t>(like mocks – </a:t>
+            </a:r>
+            <a:r>
+              <a:rPr lang="en-US" sz="2400" i="1" dirty="0" err="1" smtClean="0">
+                <a:solidFill>
+                  <a:prstClr val="white"/>
+                </a:solidFill>
+              </a:rPr>
+              <a:t>kinda</a:t>
+            </a:r>
+            <a:r>
+              <a:rPr lang="en-US" sz="2400" i="1" dirty="0" smtClean="0">
+                <a:solidFill>
+                  <a:prstClr val="white"/>
+                </a:solidFill>
+              </a:rPr>
+              <a:t>)</a:t>
+            </a:r>
+          </a:p>
+          <a:p>
+            <a:pPr lvl="1">
+              <a:buClr>
+                <a:srgbClr val="6EA0B0"/>
+              </a:buClr>
+            </a:pPr>
+            <a:r>
+              <a:rPr lang="en-US" sz="2000" dirty="0"/>
+              <a:t>A spy can stub any function and tracks calls to it and all arguments.</a:t>
+            </a:r>
+            <a:endParaRPr lang="en-US" sz="2000" dirty="0" smtClean="0">
+              <a:solidFill>
+                <a:prstClr val="white"/>
+              </a:solidFill>
+            </a:endParaRPr>
+          </a:p>
+          <a:p>
+            <a:pPr marL="36576" indent="0">
+              <a:buNone/>
+            </a:pPr>
+            <a:endParaRPr lang="en-US" sz="1800" dirty="0">
+              <a:latin typeface="Consolas" panose="020B0609020204030204" pitchFamily="49" charset="0"/>
+              <a:cs typeface="Consolas" panose="020B0609020204030204" pitchFamily="49" charset="0"/>
+            </a:endParaRPr>
+          </a:p>
+        </p:txBody>
+      </p:sp>
     </p:spTree>
     <p:extLst>
       <p:ext uri="{BB962C8B-B14F-4D97-AF65-F5344CB8AC3E}">
-        <p14:creationId xmlns:p14="http://schemas.microsoft.com/office/powerpoint/2010/main" val="160297541"/>
+        <p14:creationId xmlns:p14="http://schemas.microsoft.com/office/powerpoint/2010/main" val="4064705731"/>
       </p:ext>
     </p:extLst>
   </p:cSld>
@@ -7185,40 +7469,43 @@
           <a:bodyPr/>
           <a:lstStyle/>
           <a:p>
-            <a:r>
-              <a:rPr lang="en-US" dirty="0" smtClean="0"/>
-              <a:t>Karma</a:t>
-            </a:r>
-            <a:endParaRPr lang="en-US" dirty="0"/>
-          </a:p>
-        </p:txBody>
-      </p:sp>
-      <p:sp>
-        <p:nvSpPr>
-          <p:cNvPr id="3" name="Content Placeholder 2"/>
-          <p:cNvSpPr>
-            <a:spLocks noGrp="1"/>
-          </p:cNvSpPr>
+            <a:endParaRPr lang="en-US"/>
+          </a:p>
+        </p:txBody>
+      </p:sp>
+      <p:pic>
+        <p:nvPicPr>
+          <p:cNvPr id="4" name="Content Placeholder 3"/>
+          <p:cNvPicPr>
+            <a:picLocks noGrp="1" noChangeAspect="1"/>
+          </p:cNvPicPr>
           <p:nvPr>
             <p:ph idx="1"/>
           </p:nvPr>
-        </p:nvSpPr>
-        <p:spPr/>
-        <p:txBody>
-          <a:bodyPr/>
-          <a:lstStyle/>
-          <a:p>
-            <a:r>
-              <a:rPr lang="en-US" dirty="0"/>
-              <a:t>Karma is essentially a tool which spawns a web server that executes source code against test code for each of the browsers connected. The results for each test against each browser are examined and displayed via the command line to the developer such that they can see which browsers and tests passed or failed.</a:t>
-            </a:r>
-          </a:p>
-        </p:txBody>
-      </p:sp>
+        </p:nvPicPr>
+        <p:blipFill>
+          <a:blip r:embed="rId2">
+            <a:extLst>
+              <a:ext uri="{28A0092B-C50C-407E-A947-70E740481C1C}">
+                <a14:useLocalDpi xmlns:a14="http://schemas.microsoft.com/office/drawing/2010/main" val="0"/>
+              </a:ext>
+            </a:extLst>
+          </a:blip>
+          <a:stretch>
+            <a:fillRect/>
+          </a:stretch>
+        </p:blipFill>
+        <p:spPr>
+          <a:xfrm>
+            <a:off x="1214437" y="2415381"/>
+            <a:ext cx="5953125" cy="2895600"/>
+          </a:xfrm>
+        </p:spPr>
+      </p:pic>
     </p:spTree>
     <p:extLst>
       <p:ext uri="{BB962C8B-B14F-4D97-AF65-F5344CB8AC3E}">
-        <p14:creationId xmlns:p14="http://schemas.microsoft.com/office/powerpoint/2010/main" val="210717048"/>
+        <p14:creationId xmlns:p14="http://schemas.microsoft.com/office/powerpoint/2010/main" val="160297541"/>
       </p:ext>
     </p:extLst>
   </p:cSld>
